--- a/docs/milestone_1.pptx
+++ b/docs/milestone_1.pptx
@@ -2,14 +2,17 @@
 <file path=ppt/presentation.xml><?xml version="1.0" encoding="utf-8"?>
 <p:presentation xmlns:a="http://schemas.openxmlformats.org/drawingml/2006/main" xmlns:r="http://schemas.openxmlformats.org/officeDocument/2006/relationships" xmlns:p="http://schemas.openxmlformats.org/presentationml/2006/main" saveSubsetFonts="1">
   <p:sldMasterIdLst>
-    <p:sldMasterId id="2147483804" r:id="rId1"/>
+    <p:sldMasterId id="2147483876" r:id="rId1"/>
   </p:sldMasterIdLst>
   <p:sldIdLst>
     <p:sldId id="256" r:id="rId2"/>
-    <p:sldId id="257" r:id="rId3"/>
-    <p:sldId id="259" r:id="rId4"/>
-    <p:sldId id="258" r:id="rId5"/>
-    <p:sldId id="260" r:id="rId6"/>
+    <p:sldId id="261" r:id="rId3"/>
+    <p:sldId id="257" r:id="rId4"/>
+    <p:sldId id="259" r:id="rId5"/>
+    <p:sldId id="262" r:id="rId6"/>
+    <p:sldId id="263" r:id="rId7"/>
+    <p:sldId id="258" r:id="rId8"/>
+    <p:sldId id="260" r:id="rId9"/>
   </p:sldIdLst>
   <p:sldSz cx="12192000" cy="6858000"/>
   <p:notesSz cx="6858000" cy="9144000"/>
@@ -347,7 +350,7 @@
     </p:spTree>
     <p:extLst>
       <p:ext uri="{BB962C8B-B14F-4D97-AF65-F5344CB8AC3E}">
-        <p14:creationId xmlns:p14="http://schemas.microsoft.com/office/powerpoint/2010/main" val="2322141543"/>
+        <p14:creationId xmlns:p14="http://schemas.microsoft.com/office/powerpoint/2010/main" val="1112040152"/>
       </p:ext>
     </p:extLst>
   </p:cSld>
@@ -645,7 +648,7 @@
     </p:spTree>
     <p:extLst>
       <p:ext uri="{BB962C8B-B14F-4D97-AF65-F5344CB8AC3E}">
-        <p14:creationId xmlns:p14="http://schemas.microsoft.com/office/powerpoint/2010/main" val="2343746008"/>
+        <p14:creationId xmlns:p14="http://schemas.microsoft.com/office/powerpoint/2010/main" val="3308083473"/>
       </p:ext>
     </p:extLst>
   </p:cSld>
@@ -837,7 +840,7 @@
     </p:spTree>
     <p:extLst>
       <p:ext uri="{BB962C8B-B14F-4D97-AF65-F5344CB8AC3E}">
-        <p14:creationId xmlns:p14="http://schemas.microsoft.com/office/powerpoint/2010/main" val="1456128735"/>
+        <p14:creationId xmlns:p14="http://schemas.microsoft.com/office/powerpoint/2010/main" val="817276805"/>
       </p:ext>
     </p:extLst>
   </p:cSld>
@@ -1330,7 +1333,7 @@
     </p:spTree>
     <p:extLst>
       <p:ext uri="{BB962C8B-B14F-4D97-AF65-F5344CB8AC3E}">
-        <p14:creationId xmlns:p14="http://schemas.microsoft.com/office/powerpoint/2010/main" val="3999706963"/>
+        <p14:creationId xmlns:p14="http://schemas.microsoft.com/office/powerpoint/2010/main" val="1770708528"/>
       </p:ext>
     </p:extLst>
   </p:cSld>
@@ -1522,7 +1525,7 @@
     </p:spTree>
     <p:extLst>
       <p:ext uri="{BB962C8B-B14F-4D97-AF65-F5344CB8AC3E}">
-        <p14:creationId xmlns:p14="http://schemas.microsoft.com/office/powerpoint/2010/main" val="107782814"/>
+        <p14:creationId xmlns:p14="http://schemas.microsoft.com/office/powerpoint/2010/main" val="4258414138"/>
       </p:ext>
     </p:extLst>
   </p:cSld>
@@ -2059,7 +2062,7 @@
     </p:spTree>
     <p:extLst>
       <p:ext uri="{BB962C8B-B14F-4D97-AF65-F5344CB8AC3E}">
-        <p14:creationId xmlns:p14="http://schemas.microsoft.com/office/powerpoint/2010/main" val="4177935933"/>
+        <p14:creationId xmlns:p14="http://schemas.microsoft.com/office/powerpoint/2010/main" val="1691696129"/>
       </p:ext>
     </p:extLst>
   </p:cSld>
@@ -2923,7 +2926,7 @@
     </p:spTree>
     <p:extLst>
       <p:ext uri="{BB962C8B-B14F-4D97-AF65-F5344CB8AC3E}">
-        <p14:creationId xmlns:p14="http://schemas.microsoft.com/office/powerpoint/2010/main" val="17848829"/>
+        <p14:creationId xmlns:p14="http://schemas.microsoft.com/office/powerpoint/2010/main" val="967171703"/>
       </p:ext>
     </p:extLst>
   </p:cSld>
@@ -3093,7 +3096,7 @@
     </p:spTree>
     <p:extLst>
       <p:ext uri="{BB962C8B-B14F-4D97-AF65-F5344CB8AC3E}">
-        <p14:creationId xmlns:p14="http://schemas.microsoft.com/office/powerpoint/2010/main" val="1281580942"/>
+        <p14:creationId xmlns:p14="http://schemas.microsoft.com/office/powerpoint/2010/main" val="2389981171"/>
       </p:ext>
     </p:extLst>
   </p:cSld>
@@ -3277,7 +3280,7 @@
     </p:spTree>
     <p:extLst>
       <p:ext uri="{BB962C8B-B14F-4D97-AF65-F5344CB8AC3E}">
-        <p14:creationId xmlns:p14="http://schemas.microsoft.com/office/powerpoint/2010/main" val="3520349447"/>
+        <p14:creationId xmlns:p14="http://schemas.microsoft.com/office/powerpoint/2010/main" val="1547507313"/>
       </p:ext>
     </p:extLst>
   </p:cSld>
@@ -3447,7 +3450,7 @@
     </p:spTree>
     <p:extLst>
       <p:ext uri="{BB962C8B-B14F-4D97-AF65-F5344CB8AC3E}">
-        <p14:creationId xmlns:p14="http://schemas.microsoft.com/office/powerpoint/2010/main" val="745548091"/>
+        <p14:creationId xmlns:p14="http://schemas.microsoft.com/office/powerpoint/2010/main" val="2351628007"/>
       </p:ext>
     </p:extLst>
   </p:cSld>
@@ -3691,7 +3694,7 @@
     </p:spTree>
     <p:extLst>
       <p:ext uri="{BB962C8B-B14F-4D97-AF65-F5344CB8AC3E}">
-        <p14:creationId xmlns:p14="http://schemas.microsoft.com/office/powerpoint/2010/main" val="391250864"/>
+        <p14:creationId xmlns:p14="http://schemas.microsoft.com/office/powerpoint/2010/main" val="2895333068"/>
       </p:ext>
     </p:extLst>
   </p:cSld>
@@ -3927,7 +3930,7 @@
     </p:spTree>
     <p:extLst>
       <p:ext uri="{BB962C8B-B14F-4D97-AF65-F5344CB8AC3E}">
-        <p14:creationId xmlns:p14="http://schemas.microsoft.com/office/powerpoint/2010/main" val="2150098203"/>
+        <p14:creationId xmlns:p14="http://schemas.microsoft.com/office/powerpoint/2010/main" val="1310425700"/>
       </p:ext>
     </p:extLst>
   </p:cSld>
@@ -4393,7 +4396,7 @@
     </p:spTree>
     <p:extLst>
       <p:ext uri="{BB962C8B-B14F-4D97-AF65-F5344CB8AC3E}">
-        <p14:creationId xmlns:p14="http://schemas.microsoft.com/office/powerpoint/2010/main" val="4106775877"/>
+        <p14:creationId xmlns:p14="http://schemas.microsoft.com/office/powerpoint/2010/main" val="1264674332"/>
       </p:ext>
     </p:extLst>
   </p:cSld>
@@ -4511,7 +4514,7 @@
     </p:spTree>
     <p:extLst>
       <p:ext uri="{BB962C8B-B14F-4D97-AF65-F5344CB8AC3E}">
-        <p14:creationId xmlns:p14="http://schemas.microsoft.com/office/powerpoint/2010/main" val="2345366960"/>
+        <p14:creationId xmlns:p14="http://schemas.microsoft.com/office/powerpoint/2010/main" val="3584494605"/>
       </p:ext>
     </p:extLst>
   </p:cSld>
@@ -4606,7 +4609,7 @@
     </p:spTree>
     <p:extLst>
       <p:ext uri="{BB962C8B-B14F-4D97-AF65-F5344CB8AC3E}">
-        <p14:creationId xmlns:p14="http://schemas.microsoft.com/office/powerpoint/2010/main" val="2176476877"/>
+        <p14:creationId xmlns:p14="http://schemas.microsoft.com/office/powerpoint/2010/main" val="3651354617"/>
       </p:ext>
     </p:extLst>
   </p:cSld>
@@ -4861,7 +4864,7 @@
     </p:spTree>
     <p:extLst>
       <p:ext uri="{BB962C8B-B14F-4D97-AF65-F5344CB8AC3E}">
-        <p14:creationId xmlns:p14="http://schemas.microsoft.com/office/powerpoint/2010/main" val="1445582912"/>
+        <p14:creationId xmlns:p14="http://schemas.microsoft.com/office/powerpoint/2010/main" val="2118666246"/>
       </p:ext>
     </p:extLst>
   </p:cSld>
@@ -5161,7 +5164,7 @@
     </p:spTree>
     <p:extLst>
       <p:ext uri="{BB962C8B-B14F-4D97-AF65-F5344CB8AC3E}">
-        <p14:creationId xmlns:p14="http://schemas.microsoft.com/office/powerpoint/2010/main" val="4288878452"/>
+        <p14:creationId xmlns:p14="http://schemas.microsoft.com/office/powerpoint/2010/main" val="3946731866"/>
       </p:ext>
     </p:extLst>
   </p:cSld>
@@ -5445,29 +5448,29 @@
     </p:spTree>
     <p:extLst>
       <p:ext uri="{BB962C8B-B14F-4D97-AF65-F5344CB8AC3E}">
-        <p14:creationId xmlns:p14="http://schemas.microsoft.com/office/powerpoint/2010/main" val="3137477183"/>
+        <p14:creationId xmlns:p14="http://schemas.microsoft.com/office/powerpoint/2010/main" val="2490342162"/>
       </p:ext>
     </p:extLst>
   </p:cSld>
   <p:clrMap bg1="dk1" tx1="lt1" bg2="dk2" tx2="lt2" accent1="accent1" accent2="accent2" accent3="accent3" accent4="accent4" accent5="accent5" accent6="accent6" hlink="hlink" folHlink="folHlink"/>
   <p:sldLayoutIdLst>
-    <p:sldLayoutId id="2147483805" r:id="rId1"/>
-    <p:sldLayoutId id="2147483806" r:id="rId2"/>
-    <p:sldLayoutId id="2147483807" r:id="rId3"/>
-    <p:sldLayoutId id="2147483808" r:id="rId4"/>
-    <p:sldLayoutId id="2147483809" r:id="rId5"/>
-    <p:sldLayoutId id="2147483810" r:id="rId6"/>
-    <p:sldLayoutId id="2147483811" r:id="rId7"/>
-    <p:sldLayoutId id="2147483812" r:id="rId8"/>
-    <p:sldLayoutId id="2147483813" r:id="rId9"/>
-    <p:sldLayoutId id="2147483814" r:id="rId10"/>
-    <p:sldLayoutId id="2147483815" r:id="rId11"/>
-    <p:sldLayoutId id="2147483816" r:id="rId12"/>
-    <p:sldLayoutId id="2147483817" r:id="rId13"/>
-    <p:sldLayoutId id="2147483818" r:id="rId14"/>
-    <p:sldLayoutId id="2147483819" r:id="rId15"/>
-    <p:sldLayoutId id="2147483820" r:id="rId16"/>
-    <p:sldLayoutId id="2147483821" r:id="rId17"/>
+    <p:sldLayoutId id="2147483877" r:id="rId1"/>
+    <p:sldLayoutId id="2147483878" r:id="rId2"/>
+    <p:sldLayoutId id="2147483879" r:id="rId3"/>
+    <p:sldLayoutId id="2147483880" r:id="rId4"/>
+    <p:sldLayoutId id="2147483881" r:id="rId5"/>
+    <p:sldLayoutId id="2147483882" r:id="rId6"/>
+    <p:sldLayoutId id="2147483883" r:id="rId7"/>
+    <p:sldLayoutId id="2147483884" r:id="rId8"/>
+    <p:sldLayoutId id="2147483885" r:id="rId9"/>
+    <p:sldLayoutId id="2147483886" r:id="rId10"/>
+    <p:sldLayoutId id="2147483887" r:id="rId11"/>
+    <p:sldLayoutId id="2147483888" r:id="rId12"/>
+    <p:sldLayoutId id="2147483889" r:id="rId13"/>
+    <p:sldLayoutId id="2147483890" r:id="rId14"/>
+    <p:sldLayoutId id="2147483891" r:id="rId15"/>
+    <p:sldLayoutId id="2147483892" r:id="rId16"/>
+    <p:sldLayoutId id="2147483893" r:id="rId17"/>
   </p:sldLayoutIdLst>
   <p:txStyles>
     <p:titleStyle>
@@ -6109,7 +6112,7 @@
           <p:cNvPr id="2" name="Titel 1">
             <a:extLst>
               <a:ext uri="{FF2B5EF4-FFF2-40B4-BE49-F238E27FC236}">
-                <a16:creationId xmlns:a16="http://schemas.microsoft.com/office/drawing/2014/main" id="{CBB2EA6E-9107-4D45-9BFA-2AF293A2EC92}"/>
+                <a16:creationId xmlns:a16="http://schemas.microsoft.com/office/drawing/2014/main" id="{7D8F935A-A07C-43CA-9CE5-5DB10E163C56}"/>
               </a:ext>
             </a:extLst>
           </p:cNvPr>
@@ -6126,10 +6129,9 @@
           <a:lstStyle/>
           <a:p>
             <a:r>
-              <a:rPr lang="en-US"/>
-              <a:t>Phong Shading</a:t>
-            </a:r>
-            <a:endParaRPr lang="en-US" dirty="0"/>
+              <a:rPr lang="en-US" dirty="0"/>
+              <a:t>Tasks</a:t>
+            </a:r>
           </a:p>
         </p:txBody>
       </p:sp>
@@ -6138,7 +6140,7 @@
           <p:cNvPr id="3" name="Inhaltsplatzhalter 2">
             <a:extLst>
               <a:ext uri="{FF2B5EF4-FFF2-40B4-BE49-F238E27FC236}">
-                <a16:creationId xmlns:a16="http://schemas.microsoft.com/office/drawing/2014/main" id="{3D4E4C4F-17D8-4312-B8D0-64CCC318F3A0}"/>
+                <a16:creationId xmlns:a16="http://schemas.microsoft.com/office/drawing/2014/main" id="{1044535A-3C1E-4E9D-A3F7-2CAEA1885EEE}"/>
               </a:ext>
             </a:extLst>
           </p:cNvPr>
@@ -6149,86 +6151,69 @@
             <p:ph idx="1"/>
           </p:nvPr>
         </p:nvSpPr>
-        <p:spPr>
-          <a:xfrm>
-            <a:off x="913795" y="1749865"/>
-            <a:ext cx="10353762" cy="4058751"/>
-          </a:xfrm>
-        </p:spPr>
+        <p:spPr/>
         <p:txBody>
           <a:bodyPr/>
           <a:lstStyle/>
           <a:p>
+            <a:r>
+              <a:rPr lang="en-US" dirty="0"/>
+              <a:t>Setup of the application and OpenGL</a:t>
+            </a:r>
+          </a:p>
+          <a:p>
             <a:endParaRPr lang="en-US" dirty="0"/>
           </a:p>
           <a:p>
+            <a:r>
+              <a:rPr lang="en-US" dirty="0"/>
+              <a:t>Basic </a:t>
+            </a:r>
+            <a:r>
+              <a:rPr lang="en-US" dirty="0" err="1"/>
+              <a:t>phong</a:t>
+            </a:r>
+            <a:r>
+              <a:rPr lang="en-US" dirty="0"/>
+              <a:t> shading</a:t>
+            </a:r>
+          </a:p>
+          <a:p>
             <a:endParaRPr lang="en-US" dirty="0"/>
           </a:p>
           <a:p>
             <a:r>
               <a:rPr lang="en-US" dirty="0"/>
-              <a:t>Start with debug objects and materials</a:t>
-            </a:r>
-            <a:br>
+              <a:t>GUI to control scene elements for debugging</a:t>
+            </a:r>
+          </a:p>
+          <a:p>
+            <a:endParaRPr lang="en-US" dirty="0"/>
+          </a:p>
+          <a:p>
+            <a:r>
               <a:rPr lang="en-US" dirty="0"/>
-            </a:br>
+              <a:t>Loading of objects and textures</a:t>
+            </a:r>
+          </a:p>
+          <a:p>
+            <a:endParaRPr lang="en-US" dirty="0"/>
+          </a:p>
+          <a:p>
             <a:r>
               <a:rPr lang="en-US" dirty="0"/>
-              <a:t>defined in code</a:t>
+              <a:t>Basic scene</a:t>
             </a:r>
           </a:p>
           <a:p>
             <a:endParaRPr lang="en-US" dirty="0"/>
           </a:p>
-          <a:p>
-            <a:r>
-              <a:rPr lang="en-US" dirty="0"/>
-              <a:t>Next step:</a:t>
-            </a:r>
-            <a:br>
-              <a:rPr lang="en-US" dirty="0"/>
-            </a:br>
-            <a:r>
-              <a:rPr lang="en-US" dirty="0"/>
-              <a:t>Load objects from file</a:t>
-            </a:r>
-          </a:p>
-        </p:txBody>
-      </p:sp>
-      <p:pic>
-        <p:nvPicPr>
-          <p:cNvPr id="8" name="Grafik 7">
-            <a:extLst>
-              <a:ext uri="{FF2B5EF4-FFF2-40B4-BE49-F238E27FC236}">
-                <a16:creationId xmlns:a16="http://schemas.microsoft.com/office/drawing/2014/main" id="{BA8CC85C-97B5-4736-9FDF-898A2A408E4A}"/>
-              </a:ext>
-            </a:extLst>
-          </p:cNvPr>
-          <p:cNvPicPr>
-            <a:picLocks noChangeAspect="1"/>
-          </p:cNvPicPr>
-          <p:nvPr/>
-        </p:nvPicPr>
-        <p:blipFill>
-          <a:blip r:embed="rId2"/>
-          <a:stretch>
-            <a:fillRect/>
-          </a:stretch>
-        </p:blipFill>
-        <p:spPr>
-          <a:xfrm>
-            <a:off x="7201991" y="2380130"/>
-            <a:ext cx="2804158" cy="2867890"/>
-          </a:xfrm>
-          <a:prstGeom prst="rect">
-            <a:avLst/>
-          </a:prstGeom>
-        </p:spPr>
-      </p:pic>
+        </p:txBody>
+      </p:sp>
     </p:spTree>
     <p:extLst>
       <p:ext uri="{BB962C8B-B14F-4D97-AF65-F5344CB8AC3E}">
-        <p14:creationId xmlns:p14="http://schemas.microsoft.com/office/powerpoint/2010/main" val="22531004"/>
+        <p14:creationId xmlns:p14="http://schemas.microsoft.com/office/powerpoint/2010/main" val="1925502502"/>
       </p:ext>
     </p:extLst>
   </p:cSld>
@@ -6260,7 +6245,7 @@
           <p:cNvPr id="2" name="Titel 1">
             <a:extLst>
               <a:ext uri="{FF2B5EF4-FFF2-40B4-BE49-F238E27FC236}">
-                <a16:creationId xmlns:a16="http://schemas.microsoft.com/office/drawing/2014/main" id="{5E7B2449-99E8-4023-9A90-94C3A19C2D80}"/>
+                <a16:creationId xmlns:a16="http://schemas.microsoft.com/office/drawing/2014/main" id="{CBB2EA6E-9107-4D45-9BFA-2AF293A2EC92}"/>
               </a:ext>
             </a:extLst>
           </p:cNvPr>
@@ -6277,9 +6262,10 @@
           <a:lstStyle/>
           <a:p>
             <a:r>
-              <a:rPr lang="en-US" dirty="0"/>
-              <a:t>GUI</a:t>
-            </a:r>
+              <a:rPr lang="en-US"/>
+              <a:t>Phong Shading</a:t>
+            </a:r>
+            <a:endParaRPr lang="en-US" dirty="0"/>
           </a:p>
         </p:txBody>
       </p:sp>
@@ -6288,7 +6274,7 @@
           <p:cNvPr id="3" name="Inhaltsplatzhalter 2">
             <a:extLst>
               <a:ext uri="{FF2B5EF4-FFF2-40B4-BE49-F238E27FC236}">
-                <a16:creationId xmlns:a16="http://schemas.microsoft.com/office/drawing/2014/main" id="{6E158890-AA5B-417B-BB90-96F202D961BA}"/>
+                <a16:creationId xmlns:a16="http://schemas.microsoft.com/office/drawing/2014/main" id="{3D4E4C4F-17D8-4312-B8D0-64CCC318F3A0}"/>
               </a:ext>
             </a:extLst>
           </p:cNvPr>
@@ -6299,19 +6285,79 @@
             <p:ph idx="1"/>
           </p:nvPr>
         </p:nvSpPr>
-        <p:spPr/>
+        <p:spPr>
+          <a:xfrm>
+            <a:off x="913795" y="1749865"/>
+            <a:ext cx="10353762" cy="4058751"/>
+          </a:xfrm>
+        </p:spPr>
         <p:txBody>
           <a:bodyPr/>
           <a:lstStyle/>
           <a:p>
-            <a:endParaRPr lang="en-US"/>
-          </a:p>
-        </p:txBody>
-      </p:sp>
+            <a:endParaRPr lang="en-US" dirty="0"/>
+          </a:p>
+          <a:p>
+            <a:endParaRPr lang="en-US" dirty="0"/>
+          </a:p>
+          <a:p>
+            <a:r>
+              <a:rPr lang="en-US" dirty="0"/>
+              <a:t>Start with debug objects and materials</a:t>
+            </a:r>
+            <a:br>
+              <a:rPr lang="en-US" dirty="0"/>
+            </a:br>
+            <a:r>
+              <a:rPr lang="en-US" dirty="0"/>
+              <a:t>defined in code</a:t>
+            </a:r>
+          </a:p>
+          <a:p>
+            <a:endParaRPr lang="en-US" dirty="0"/>
+          </a:p>
+          <a:p>
+            <a:r>
+              <a:rPr lang="en-US" dirty="0"/>
+              <a:t>Next step: load everything from file</a:t>
+            </a:r>
+          </a:p>
+        </p:txBody>
+      </p:sp>
+      <p:pic>
+        <p:nvPicPr>
+          <p:cNvPr id="8" name="Grafik 7">
+            <a:extLst>
+              <a:ext uri="{FF2B5EF4-FFF2-40B4-BE49-F238E27FC236}">
+                <a16:creationId xmlns:a16="http://schemas.microsoft.com/office/drawing/2014/main" id="{BA8CC85C-97B5-4736-9FDF-898A2A408E4A}"/>
+              </a:ext>
+            </a:extLst>
+          </p:cNvPr>
+          <p:cNvPicPr>
+            <a:picLocks noChangeAspect="1"/>
+          </p:cNvPicPr>
+          <p:nvPr/>
+        </p:nvPicPr>
+        <p:blipFill>
+          <a:blip r:embed="rId2"/>
+          <a:stretch>
+            <a:fillRect/>
+          </a:stretch>
+        </p:blipFill>
+        <p:spPr>
+          <a:xfrm>
+            <a:off x="7201991" y="2380130"/>
+            <a:ext cx="2804158" cy="2867890"/>
+          </a:xfrm>
+          <a:prstGeom prst="rect">
+            <a:avLst/>
+          </a:prstGeom>
+        </p:spPr>
+      </p:pic>
     </p:spTree>
     <p:extLst>
       <p:ext uri="{BB962C8B-B14F-4D97-AF65-F5344CB8AC3E}">
-        <p14:creationId xmlns:p14="http://schemas.microsoft.com/office/powerpoint/2010/main" val="3341017198"/>
+        <p14:creationId xmlns:p14="http://schemas.microsoft.com/office/powerpoint/2010/main" val="22531004"/>
       </p:ext>
     </p:extLst>
   </p:cSld>
@@ -6343,6 +6389,1445 @@
           <p:cNvPr id="2" name="Titel 1">
             <a:extLst>
               <a:ext uri="{FF2B5EF4-FFF2-40B4-BE49-F238E27FC236}">
+                <a16:creationId xmlns:a16="http://schemas.microsoft.com/office/drawing/2014/main" id="{5E7B2449-99E8-4023-9A90-94C3A19C2D80}"/>
+              </a:ext>
+            </a:extLst>
+          </p:cNvPr>
+          <p:cNvSpPr>
+            <a:spLocks noGrp="1"/>
+          </p:cNvSpPr>
+          <p:nvPr>
+            <p:ph type="title"/>
+          </p:nvPr>
+        </p:nvSpPr>
+        <p:spPr/>
+        <p:txBody>
+          <a:bodyPr/>
+          <a:lstStyle/>
+          <a:p>
+            <a:r>
+              <a:rPr lang="en-US" dirty="0"/>
+              <a:t>GUI</a:t>
+            </a:r>
+          </a:p>
+        </p:txBody>
+      </p:sp>
+      <p:sp>
+        <p:nvSpPr>
+          <p:cNvPr id="3" name="Inhaltsplatzhalter 2">
+            <a:extLst>
+              <a:ext uri="{FF2B5EF4-FFF2-40B4-BE49-F238E27FC236}">
+                <a16:creationId xmlns:a16="http://schemas.microsoft.com/office/drawing/2014/main" id="{6E158890-AA5B-417B-BB90-96F202D961BA}"/>
+              </a:ext>
+            </a:extLst>
+          </p:cNvPr>
+          <p:cNvSpPr>
+            <a:spLocks noGrp="1"/>
+          </p:cNvSpPr>
+          <p:nvPr>
+            <p:ph idx="1"/>
+          </p:nvPr>
+        </p:nvSpPr>
+        <p:spPr/>
+        <p:txBody>
+          <a:bodyPr/>
+          <a:lstStyle/>
+          <a:p>
+            <a:endParaRPr lang="en-US"/>
+          </a:p>
+        </p:txBody>
+      </p:sp>
+    </p:spTree>
+    <p:extLst>
+      <p:ext uri="{BB962C8B-B14F-4D97-AF65-F5344CB8AC3E}">
+        <p14:creationId xmlns:p14="http://schemas.microsoft.com/office/powerpoint/2010/main" val="3341017198"/>
+      </p:ext>
+    </p:extLst>
+  </p:cSld>
+  <p:clrMapOvr>
+    <a:masterClrMapping/>
+  </p:clrMapOvr>
+</p:sld>
+</file>
+
+<file path=ppt/slides/slide5.xml><?xml version="1.0" encoding="utf-8"?>
+<p:sld xmlns:a="http://schemas.openxmlformats.org/drawingml/2006/main" xmlns:r="http://schemas.openxmlformats.org/officeDocument/2006/relationships" xmlns:p="http://schemas.openxmlformats.org/presentationml/2006/main">
+  <p:cSld>
+    <p:spTree>
+      <p:nvGrpSpPr>
+        <p:cNvPr id="1" name=""/>
+        <p:cNvGrpSpPr/>
+        <p:nvPr/>
+      </p:nvGrpSpPr>
+      <p:grpSpPr>
+        <a:xfrm>
+          <a:off x="0" y="0"/>
+          <a:ext cx="0" cy="0"/>
+          <a:chOff x="0" y="0"/>
+          <a:chExt cx="0" cy="0"/>
+        </a:xfrm>
+      </p:grpSpPr>
+      <p:sp>
+        <p:nvSpPr>
+          <p:cNvPr id="2" name="Titel 1">
+            <a:extLst>
+              <a:ext uri="{FF2B5EF4-FFF2-40B4-BE49-F238E27FC236}">
+                <a16:creationId xmlns:a16="http://schemas.microsoft.com/office/drawing/2014/main" id="{E278B4DC-ADC0-49A6-B481-244341E7C674}"/>
+              </a:ext>
+            </a:extLst>
+          </p:cNvPr>
+          <p:cNvSpPr>
+            <a:spLocks noGrp="1"/>
+          </p:cNvSpPr>
+          <p:nvPr>
+            <p:ph type="title"/>
+          </p:nvPr>
+        </p:nvSpPr>
+        <p:spPr/>
+        <p:txBody>
+          <a:bodyPr/>
+          <a:lstStyle/>
+          <a:p>
+            <a:r>
+              <a:rPr lang="en-US" dirty="0"/>
+              <a:t>World Object </a:t>
+            </a:r>
+            <a:r>
+              <a:rPr lang="en-US" dirty="0" err="1"/>
+              <a:t>Hierachy</a:t>
+            </a:r>
+            <a:endParaRPr lang="en-US" dirty="0"/>
+          </a:p>
+        </p:txBody>
+      </p:sp>
+      <p:sp>
+        <p:nvSpPr>
+          <p:cNvPr id="3" name="Inhaltsplatzhalter 2">
+            <a:extLst>
+              <a:ext uri="{FF2B5EF4-FFF2-40B4-BE49-F238E27FC236}">
+                <a16:creationId xmlns:a16="http://schemas.microsoft.com/office/drawing/2014/main" id="{05645522-9D80-453B-95F6-369116CAC305}"/>
+              </a:ext>
+            </a:extLst>
+          </p:cNvPr>
+          <p:cNvSpPr>
+            <a:spLocks noGrp="1"/>
+          </p:cNvSpPr>
+          <p:nvPr>
+            <p:ph idx="1"/>
+          </p:nvPr>
+        </p:nvSpPr>
+        <p:spPr/>
+        <p:txBody>
+          <a:bodyPr/>
+          <a:lstStyle/>
+          <a:p>
+            <a:endParaRPr lang="en-US" dirty="0"/>
+          </a:p>
+        </p:txBody>
+      </p:sp>
+      <p:sp>
+        <p:nvSpPr>
+          <p:cNvPr id="4" name="Rechteck 3">
+            <a:extLst>
+              <a:ext uri="{FF2B5EF4-FFF2-40B4-BE49-F238E27FC236}">
+                <a16:creationId xmlns:a16="http://schemas.microsoft.com/office/drawing/2014/main" id="{A9BE4BBE-14CC-49B2-8711-65ABBD062A7D}"/>
+              </a:ext>
+            </a:extLst>
+          </p:cNvPr>
+          <p:cNvSpPr/>
+          <p:nvPr/>
+        </p:nvSpPr>
+        <p:spPr>
+          <a:xfrm>
+            <a:off x="8924845" y="3454848"/>
+            <a:ext cx="1798320" cy="1066800"/>
+          </a:xfrm>
+          <a:prstGeom prst="rect">
+            <a:avLst/>
+          </a:prstGeom>
+        </p:spPr>
+        <p:style>
+          <a:lnRef idx="2">
+            <a:schemeClr val="accent1">
+              <a:shade val="50000"/>
+            </a:schemeClr>
+          </a:lnRef>
+          <a:fillRef idx="1">
+            <a:schemeClr val="accent1"/>
+          </a:fillRef>
+          <a:effectRef idx="0">
+            <a:schemeClr val="accent1"/>
+          </a:effectRef>
+          <a:fontRef idx="minor">
+            <a:schemeClr val="lt1"/>
+          </a:fontRef>
+        </p:style>
+        <p:txBody>
+          <a:bodyPr rtlCol="0" anchor="ctr"/>
+          <a:lstStyle/>
+          <a:p>
+            <a:pPr algn="ctr"/>
+            <a:r>
+              <a:rPr lang="en-US" dirty="0"/>
+              <a:t>Mesh</a:t>
+            </a:r>
+          </a:p>
+          <a:p>
+            <a:pPr algn="ctr"/>
+            <a:endParaRPr lang="en-US" dirty="0"/>
+          </a:p>
+          <a:p>
+            <a:pPr algn="ctr"/>
+            <a:r>
+              <a:rPr lang="en-US" sz="1400" dirty="0" err="1"/>
+              <a:t>openGL</a:t>
+            </a:r>
+            <a:r>
+              <a:rPr lang="en-US" sz="1400" dirty="0"/>
+              <a:t> interface</a:t>
+            </a:r>
+          </a:p>
+        </p:txBody>
+      </p:sp>
+      <p:sp>
+        <p:nvSpPr>
+          <p:cNvPr id="5" name="Rechteck 4">
+            <a:extLst>
+              <a:ext uri="{FF2B5EF4-FFF2-40B4-BE49-F238E27FC236}">
+                <a16:creationId xmlns:a16="http://schemas.microsoft.com/office/drawing/2014/main" id="{052C1BFA-3A4B-4188-B585-E1A751D0D0AF}"/>
+              </a:ext>
+            </a:extLst>
+          </p:cNvPr>
+          <p:cNvSpPr/>
+          <p:nvPr/>
+        </p:nvSpPr>
+        <p:spPr>
+          <a:xfrm>
+            <a:off x="6569897" y="3448806"/>
+            <a:ext cx="1798320" cy="1066800"/>
+          </a:xfrm>
+          <a:prstGeom prst="rect">
+            <a:avLst/>
+          </a:prstGeom>
+        </p:spPr>
+        <p:style>
+          <a:lnRef idx="2">
+            <a:schemeClr val="accent1">
+              <a:shade val="50000"/>
+            </a:schemeClr>
+          </a:lnRef>
+          <a:fillRef idx="1">
+            <a:schemeClr val="accent1"/>
+          </a:fillRef>
+          <a:effectRef idx="0">
+            <a:schemeClr val="accent1"/>
+          </a:effectRef>
+          <a:fontRef idx="minor">
+            <a:schemeClr val="lt1"/>
+          </a:fontRef>
+        </p:style>
+        <p:txBody>
+          <a:bodyPr rtlCol="0" anchor="ctr"/>
+          <a:lstStyle/>
+          <a:p>
+            <a:pPr algn="ctr"/>
+            <a:r>
+              <a:rPr lang="en-US" dirty="0"/>
+              <a:t>Model</a:t>
+            </a:r>
+          </a:p>
+          <a:p>
+            <a:pPr algn="ctr"/>
+            <a:endParaRPr lang="en-US" dirty="0"/>
+          </a:p>
+          <a:p>
+            <a:pPr algn="ctr"/>
+            <a:r>
+              <a:rPr lang="en-US" sz="1400" dirty="0"/>
+              <a:t>grouped meshes</a:t>
+            </a:r>
+          </a:p>
+        </p:txBody>
+      </p:sp>
+      <p:sp>
+        <p:nvSpPr>
+          <p:cNvPr id="6" name="Rechteck 5">
+            <a:extLst>
+              <a:ext uri="{FF2B5EF4-FFF2-40B4-BE49-F238E27FC236}">
+                <a16:creationId xmlns:a16="http://schemas.microsoft.com/office/drawing/2014/main" id="{BAD45AF9-DFFB-4D86-94AA-3873EB0DA218}"/>
+              </a:ext>
+            </a:extLst>
+          </p:cNvPr>
+          <p:cNvSpPr/>
+          <p:nvPr/>
+        </p:nvSpPr>
+        <p:spPr>
+          <a:xfrm>
+            <a:off x="4214949" y="3444557"/>
+            <a:ext cx="1798320" cy="1066800"/>
+          </a:xfrm>
+          <a:prstGeom prst="rect">
+            <a:avLst/>
+          </a:prstGeom>
+        </p:spPr>
+        <p:style>
+          <a:lnRef idx="2">
+            <a:schemeClr val="accent1">
+              <a:shade val="50000"/>
+            </a:schemeClr>
+          </a:lnRef>
+          <a:fillRef idx="1">
+            <a:schemeClr val="accent1"/>
+          </a:fillRef>
+          <a:effectRef idx="0">
+            <a:schemeClr val="accent1"/>
+          </a:effectRef>
+          <a:fontRef idx="minor">
+            <a:schemeClr val="lt1"/>
+          </a:fontRef>
+        </p:style>
+        <p:txBody>
+          <a:bodyPr rtlCol="0" anchor="ctr"/>
+          <a:lstStyle/>
+          <a:p>
+            <a:pPr algn="ctr"/>
+            <a:r>
+              <a:rPr lang="en-US" dirty="0" err="1"/>
+              <a:t>MazeNode</a:t>
+            </a:r>
+            <a:endParaRPr lang="en-US" dirty="0"/>
+          </a:p>
+          <a:p>
+            <a:pPr algn="ctr"/>
+            <a:endParaRPr lang="en-US" dirty="0"/>
+          </a:p>
+          <a:p>
+            <a:pPr algn="ctr"/>
+            <a:r>
+              <a:rPr lang="en-US" sz="1400" dirty="0"/>
+              <a:t>single scene, lights</a:t>
+            </a:r>
+          </a:p>
+        </p:txBody>
+      </p:sp>
+      <p:sp>
+        <p:nvSpPr>
+          <p:cNvPr id="7" name="Rechteck 6">
+            <a:extLst>
+              <a:ext uri="{FF2B5EF4-FFF2-40B4-BE49-F238E27FC236}">
+                <a16:creationId xmlns:a16="http://schemas.microsoft.com/office/drawing/2014/main" id="{3CC33209-2C1B-4767-89BE-827DE4ECA5D6}"/>
+              </a:ext>
+            </a:extLst>
+          </p:cNvPr>
+          <p:cNvSpPr/>
+          <p:nvPr/>
+        </p:nvSpPr>
+        <p:spPr>
+          <a:xfrm>
+            <a:off x="4214949" y="1958873"/>
+            <a:ext cx="1798320" cy="1066800"/>
+          </a:xfrm>
+          <a:prstGeom prst="rect">
+            <a:avLst/>
+          </a:prstGeom>
+          <a:solidFill>
+            <a:schemeClr val="accent1">
+              <a:lumMod val="50000"/>
+            </a:schemeClr>
+          </a:solidFill>
+        </p:spPr>
+        <p:style>
+          <a:lnRef idx="2">
+            <a:schemeClr val="accent1">
+              <a:shade val="50000"/>
+            </a:schemeClr>
+          </a:lnRef>
+          <a:fillRef idx="1">
+            <a:schemeClr val="accent1"/>
+          </a:fillRef>
+          <a:effectRef idx="0">
+            <a:schemeClr val="accent1"/>
+          </a:effectRef>
+          <a:fontRef idx="minor">
+            <a:schemeClr val="lt1"/>
+          </a:fontRef>
+        </p:style>
+        <p:txBody>
+          <a:bodyPr rtlCol="0" anchor="ctr"/>
+          <a:lstStyle/>
+          <a:p>
+            <a:pPr algn="ctr"/>
+            <a:r>
+              <a:rPr lang="en-US" dirty="0" err="1">
+                <a:solidFill>
+                  <a:schemeClr val="accent1">
+                    <a:lumMod val="60000"/>
+                    <a:lumOff val="40000"/>
+                  </a:schemeClr>
+                </a:solidFill>
+              </a:rPr>
+              <a:t>MazeNode</a:t>
+            </a:r>
+            <a:endParaRPr lang="en-US" dirty="0">
+              <a:solidFill>
+                <a:schemeClr val="accent1">
+                  <a:lumMod val="60000"/>
+                  <a:lumOff val="40000"/>
+                </a:schemeClr>
+              </a:solidFill>
+            </a:endParaRPr>
+          </a:p>
+          <a:p>
+            <a:pPr algn="ctr"/>
+            <a:endParaRPr lang="en-US" dirty="0">
+              <a:solidFill>
+                <a:schemeClr val="accent1">
+                  <a:lumMod val="60000"/>
+                  <a:lumOff val="40000"/>
+                </a:schemeClr>
+              </a:solidFill>
+            </a:endParaRPr>
+          </a:p>
+          <a:p>
+            <a:pPr algn="ctr"/>
+            <a:r>
+              <a:rPr lang="en-US" sz="1400" dirty="0">
+                <a:solidFill>
+                  <a:schemeClr val="accent1">
+                    <a:lumMod val="60000"/>
+                    <a:lumOff val="40000"/>
+                  </a:schemeClr>
+                </a:solidFill>
+              </a:rPr>
+              <a:t>single scene, lights</a:t>
+            </a:r>
+          </a:p>
+        </p:txBody>
+      </p:sp>
+      <p:sp>
+        <p:nvSpPr>
+          <p:cNvPr id="8" name="Rechteck 7">
+            <a:extLst>
+              <a:ext uri="{FF2B5EF4-FFF2-40B4-BE49-F238E27FC236}">
+                <a16:creationId xmlns:a16="http://schemas.microsoft.com/office/drawing/2014/main" id="{D0F90D3B-C1A1-4D6C-8305-98BA22A27BC0}"/>
+              </a:ext>
+            </a:extLst>
+          </p:cNvPr>
+          <p:cNvSpPr/>
+          <p:nvPr/>
+        </p:nvSpPr>
+        <p:spPr>
+          <a:xfrm>
+            <a:off x="4214949" y="4946939"/>
+            <a:ext cx="1798320" cy="1066800"/>
+          </a:xfrm>
+          <a:prstGeom prst="rect">
+            <a:avLst/>
+          </a:prstGeom>
+          <a:solidFill>
+            <a:schemeClr val="accent1">
+              <a:lumMod val="50000"/>
+            </a:schemeClr>
+          </a:solidFill>
+        </p:spPr>
+        <p:style>
+          <a:lnRef idx="2">
+            <a:schemeClr val="accent1">
+              <a:shade val="50000"/>
+            </a:schemeClr>
+          </a:lnRef>
+          <a:fillRef idx="1">
+            <a:schemeClr val="accent1"/>
+          </a:fillRef>
+          <a:effectRef idx="0">
+            <a:schemeClr val="accent1"/>
+          </a:effectRef>
+          <a:fontRef idx="minor">
+            <a:schemeClr val="lt1"/>
+          </a:fontRef>
+        </p:style>
+        <p:txBody>
+          <a:bodyPr rtlCol="0" anchor="ctr"/>
+          <a:lstStyle/>
+          <a:p>
+            <a:pPr algn="ctr"/>
+            <a:r>
+              <a:rPr lang="en-US" dirty="0" err="1">
+                <a:solidFill>
+                  <a:schemeClr val="accent1">
+                    <a:lumMod val="60000"/>
+                    <a:lumOff val="40000"/>
+                  </a:schemeClr>
+                </a:solidFill>
+              </a:rPr>
+              <a:t>MazeNode</a:t>
+            </a:r>
+            <a:endParaRPr lang="en-US" dirty="0">
+              <a:solidFill>
+                <a:schemeClr val="accent1">
+                  <a:lumMod val="60000"/>
+                  <a:lumOff val="40000"/>
+                </a:schemeClr>
+              </a:solidFill>
+            </a:endParaRPr>
+          </a:p>
+          <a:p>
+            <a:pPr algn="ctr"/>
+            <a:endParaRPr lang="en-US" dirty="0">
+              <a:solidFill>
+                <a:schemeClr val="accent1">
+                  <a:lumMod val="60000"/>
+                  <a:lumOff val="40000"/>
+                </a:schemeClr>
+              </a:solidFill>
+            </a:endParaRPr>
+          </a:p>
+          <a:p>
+            <a:pPr algn="ctr"/>
+            <a:r>
+              <a:rPr lang="en-US" sz="1400" dirty="0">
+                <a:solidFill>
+                  <a:schemeClr val="accent1">
+                    <a:lumMod val="60000"/>
+                    <a:lumOff val="40000"/>
+                  </a:schemeClr>
+                </a:solidFill>
+              </a:rPr>
+              <a:t>single scene , lights</a:t>
+            </a:r>
+          </a:p>
+        </p:txBody>
+      </p:sp>
+      <p:sp>
+        <p:nvSpPr>
+          <p:cNvPr id="9" name="Rechteck 8">
+            <a:extLst>
+              <a:ext uri="{FF2B5EF4-FFF2-40B4-BE49-F238E27FC236}">
+                <a16:creationId xmlns:a16="http://schemas.microsoft.com/office/drawing/2014/main" id="{92DB0BFE-C3C4-4987-827F-2EFBA20C5374}"/>
+              </a:ext>
+            </a:extLst>
+          </p:cNvPr>
+          <p:cNvSpPr/>
+          <p:nvPr/>
+        </p:nvSpPr>
+        <p:spPr>
+          <a:xfrm>
+            <a:off x="6569897" y="1949558"/>
+            <a:ext cx="1798320" cy="1066800"/>
+          </a:xfrm>
+          <a:prstGeom prst="rect">
+            <a:avLst/>
+          </a:prstGeom>
+          <a:solidFill>
+            <a:schemeClr val="accent1">
+              <a:lumMod val="50000"/>
+            </a:schemeClr>
+          </a:solidFill>
+        </p:spPr>
+        <p:style>
+          <a:lnRef idx="2">
+            <a:schemeClr val="accent1">
+              <a:shade val="50000"/>
+            </a:schemeClr>
+          </a:lnRef>
+          <a:fillRef idx="1">
+            <a:schemeClr val="accent1"/>
+          </a:fillRef>
+          <a:effectRef idx="0">
+            <a:schemeClr val="accent1"/>
+          </a:effectRef>
+          <a:fontRef idx="minor">
+            <a:schemeClr val="lt1"/>
+          </a:fontRef>
+        </p:style>
+        <p:txBody>
+          <a:bodyPr rtlCol="0" anchor="ctr"/>
+          <a:lstStyle/>
+          <a:p>
+            <a:pPr algn="ctr"/>
+            <a:r>
+              <a:rPr lang="en-US" dirty="0">
+                <a:solidFill>
+                  <a:schemeClr val="accent1">
+                    <a:lumMod val="60000"/>
+                    <a:lumOff val="40000"/>
+                  </a:schemeClr>
+                </a:solidFill>
+              </a:rPr>
+              <a:t>Model</a:t>
+            </a:r>
+          </a:p>
+          <a:p>
+            <a:pPr algn="ctr"/>
+            <a:endParaRPr lang="en-US" dirty="0">
+              <a:solidFill>
+                <a:schemeClr val="accent1">
+                  <a:lumMod val="60000"/>
+                  <a:lumOff val="40000"/>
+                </a:schemeClr>
+              </a:solidFill>
+            </a:endParaRPr>
+          </a:p>
+          <a:p>
+            <a:pPr algn="ctr"/>
+            <a:r>
+              <a:rPr lang="en-US" sz="1400" dirty="0">
+                <a:solidFill>
+                  <a:schemeClr val="accent1">
+                    <a:lumMod val="60000"/>
+                    <a:lumOff val="40000"/>
+                  </a:schemeClr>
+                </a:solidFill>
+              </a:rPr>
+              <a:t>grouped meshes</a:t>
+            </a:r>
+          </a:p>
+        </p:txBody>
+      </p:sp>
+      <p:sp>
+        <p:nvSpPr>
+          <p:cNvPr id="10" name="Rechteck 9">
+            <a:extLst>
+              <a:ext uri="{FF2B5EF4-FFF2-40B4-BE49-F238E27FC236}">
+                <a16:creationId xmlns:a16="http://schemas.microsoft.com/office/drawing/2014/main" id="{6C151338-4054-4455-82CB-32E16031F06A}"/>
+              </a:ext>
+            </a:extLst>
+          </p:cNvPr>
+          <p:cNvSpPr/>
+          <p:nvPr/>
+        </p:nvSpPr>
+        <p:spPr>
+          <a:xfrm>
+            <a:off x="8924845" y="1958873"/>
+            <a:ext cx="1798320" cy="1066800"/>
+          </a:xfrm>
+          <a:prstGeom prst="rect">
+            <a:avLst/>
+          </a:prstGeom>
+          <a:solidFill>
+            <a:schemeClr val="accent1">
+              <a:lumMod val="50000"/>
+            </a:schemeClr>
+          </a:solidFill>
+        </p:spPr>
+        <p:style>
+          <a:lnRef idx="2">
+            <a:schemeClr val="accent1">
+              <a:shade val="50000"/>
+            </a:schemeClr>
+          </a:lnRef>
+          <a:fillRef idx="1">
+            <a:schemeClr val="accent1"/>
+          </a:fillRef>
+          <a:effectRef idx="0">
+            <a:schemeClr val="accent1"/>
+          </a:effectRef>
+          <a:fontRef idx="minor">
+            <a:schemeClr val="lt1"/>
+          </a:fontRef>
+        </p:style>
+        <p:txBody>
+          <a:bodyPr rtlCol="0" anchor="ctr"/>
+          <a:lstStyle/>
+          <a:p>
+            <a:pPr algn="ctr"/>
+            <a:r>
+              <a:rPr lang="en-US" dirty="0">
+                <a:solidFill>
+                  <a:schemeClr val="accent1">
+                    <a:lumMod val="60000"/>
+                    <a:lumOff val="40000"/>
+                  </a:schemeClr>
+                </a:solidFill>
+              </a:rPr>
+              <a:t>Mesh</a:t>
+            </a:r>
+          </a:p>
+          <a:p>
+            <a:pPr algn="ctr"/>
+            <a:endParaRPr lang="en-US" dirty="0">
+              <a:solidFill>
+                <a:schemeClr val="accent1">
+                  <a:lumMod val="60000"/>
+                  <a:lumOff val="40000"/>
+                </a:schemeClr>
+              </a:solidFill>
+            </a:endParaRPr>
+          </a:p>
+          <a:p>
+            <a:pPr algn="ctr"/>
+            <a:r>
+              <a:rPr lang="en-US" sz="1400" dirty="0" err="1">
+                <a:solidFill>
+                  <a:schemeClr val="accent1">
+                    <a:lumMod val="60000"/>
+                    <a:lumOff val="40000"/>
+                  </a:schemeClr>
+                </a:solidFill>
+              </a:rPr>
+              <a:t>openGL</a:t>
+            </a:r>
+            <a:r>
+              <a:rPr lang="en-US" sz="1400" dirty="0">
+                <a:solidFill>
+                  <a:schemeClr val="accent1">
+                    <a:lumMod val="60000"/>
+                    <a:lumOff val="40000"/>
+                  </a:schemeClr>
+                </a:solidFill>
+              </a:rPr>
+              <a:t> interface</a:t>
+            </a:r>
+          </a:p>
+        </p:txBody>
+      </p:sp>
+      <p:sp>
+        <p:nvSpPr>
+          <p:cNvPr id="11" name="Rechteck 10">
+            <a:extLst>
+              <a:ext uri="{FF2B5EF4-FFF2-40B4-BE49-F238E27FC236}">
+                <a16:creationId xmlns:a16="http://schemas.microsoft.com/office/drawing/2014/main" id="{33F08988-AE02-4DE1-A9B1-84E5E4897155}"/>
+              </a:ext>
+            </a:extLst>
+          </p:cNvPr>
+          <p:cNvSpPr/>
+          <p:nvPr/>
+        </p:nvSpPr>
+        <p:spPr>
+          <a:xfrm>
+            <a:off x="8924845" y="4950823"/>
+            <a:ext cx="1798320" cy="1066800"/>
+          </a:xfrm>
+          <a:prstGeom prst="rect">
+            <a:avLst/>
+          </a:prstGeom>
+          <a:solidFill>
+            <a:schemeClr val="accent1">
+              <a:lumMod val="50000"/>
+            </a:schemeClr>
+          </a:solidFill>
+        </p:spPr>
+        <p:style>
+          <a:lnRef idx="2">
+            <a:schemeClr val="accent1">
+              <a:shade val="50000"/>
+            </a:schemeClr>
+          </a:lnRef>
+          <a:fillRef idx="1">
+            <a:schemeClr val="accent1"/>
+          </a:fillRef>
+          <a:effectRef idx="0">
+            <a:schemeClr val="accent1"/>
+          </a:effectRef>
+          <a:fontRef idx="minor">
+            <a:schemeClr val="lt1"/>
+          </a:fontRef>
+        </p:style>
+        <p:txBody>
+          <a:bodyPr rtlCol="0" anchor="ctr"/>
+          <a:lstStyle/>
+          <a:p>
+            <a:pPr algn="ctr"/>
+            <a:r>
+              <a:rPr lang="en-US" dirty="0">
+                <a:solidFill>
+                  <a:schemeClr val="accent1">
+                    <a:lumMod val="60000"/>
+                    <a:lumOff val="40000"/>
+                  </a:schemeClr>
+                </a:solidFill>
+              </a:rPr>
+              <a:t>Mesh</a:t>
+            </a:r>
+          </a:p>
+          <a:p>
+            <a:pPr algn="ctr"/>
+            <a:endParaRPr lang="en-US" dirty="0">
+              <a:solidFill>
+                <a:schemeClr val="accent1">
+                  <a:lumMod val="60000"/>
+                  <a:lumOff val="40000"/>
+                </a:schemeClr>
+              </a:solidFill>
+            </a:endParaRPr>
+          </a:p>
+          <a:p>
+            <a:pPr algn="ctr"/>
+            <a:r>
+              <a:rPr lang="en-US" sz="1400" dirty="0" err="1">
+                <a:solidFill>
+                  <a:schemeClr val="accent1">
+                    <a:lumMod val="60000"/>
+                    <a:lumOff val="40000"/>
+                  </a:schemeClr>
+                </a:solidFill>
+              </a:rPr>
+              <a:t>openGL</a:t>
+            </a:r>
+            <a:r>
+              <a:rPr lang="en-US" sz="1400" dirty="0">
+                <a:solidFill>
+                  <a:schemeClr val="accent1">
+                    <a:lumMod val="60000"/>
+                    <a:lumOff val="40000"/>
+                  </a:schemeClr>
+                </a:solidFill>
+              </a:rPr>
+              <a:t> interface</a:t>
+            </a:r>
+          </a:p>
+        </p:txBody>
+      </p:sp>
+      <p:sp>
+        <p:nvSpPr>
+          <p:cNvPr id="12" name="Rechteck 11">
+            <a:extLst>
+              <a:ext uri="{FF2B5EF4-FFF2-40B4-BE49-F238E27FC236}">
+                <a16:creationId xmlns:a16="http://schemas.microsoft.com/office/drawing/2014/main" id="{3FDF9F94-B817-48E6-834D-1247A0410EBF}"/>
+              </a:ext>
+            </a:extLst>
+          </p:cNvPr>
+          <p:cNvSpPr/>
+          <p:nvPr/>
+        </p:nvSpPr>
+        <p:spPr>
+          <a:xfrm>
+            <a:off x="1393016" y="3016358"/>
+            <a:ext cx="1798320" cy="1930581"/>
+          </a:xfrm>
+          <a:prstGeom prst="rect">
+            <a:avLst/>
+          </a:prstGeom>
+        </p:spPr>
+        <p:style>
+          <a:lnRef idx="2">
+            <a:schemeClr val="accent1">
+              <a:shade val="50000"/>
+            </a:schemeClr>
+          </a:lnRef>
+          <a:fillRef idx="1">
+            <a:schemeClr val="accent1"/>
+          </a:fillRef>
+          <a:effectRef idx="0">
+            <a:schemeClr val="accent1"/>
+          </a:effectRef>
+          <a:fontRef idx="minor">
+            <a:schemeClr val="lt1"/>
+          </a:fontRef>
+        </p:style>
+        <p:txBody>
+          <a:bodyPr rtlCol="0" anchor="ctr"/>
+          <a:lstStyle/>
+          <a:p>
+            <a:pPr algn="ctr"/>
+            <a:r>
+              <a:rPr lang="en-US" dirty="0"/>
+              <a:t>Maze</a:t>
+            </a:r>
+          </a:p>
+          <a:p>
+            <a:pPr algn="ctr"/>
+            <a:endParaRPr lang="en-US" dirty="0"/>
+          </a:p>
+          <a:p>
+            <a:pPr algn="ctr"/>
+            <a:r>
+              <a:rPr lang="en-US" sz="1400" dirty="0"/>
+              <a:t>global world properties</a:t>
+            </a:r>
+          </a:p>
+          <a:p>
+            <a:pPr algn="ctr"/>
+            <a:endParaRPr lang="en-US" sz="1400" dirty="0"/>
+          </a:p>
+          <a:p>
+            <a:pPr algn="ctr"/>
+            <a:r>
+              <a:rPr lang="en-US" sz="1400" dirty="0"/>
+              <a:t>graph-like</a:t>
+            </a:r>
+          </a:p>
+        </p:txBody>
+      </p:sp>
+      <p:sp>
+        <p:nvSpPr>
+          <p:cNvPr id="13" name="Rechteck 12">
+            <a:extLst>
+              <a:ext uri="{FF2B5EF4-FFF2-40B4-BE49-F238E27FC236}">
+                <a16:creationId xmlns:a16="http://schemas.microsoft.com/office/drawing/2014/main" id="{2A183897-018C-4EFC-A535-7B9527FA0751}"/>
+              </a:ext>
+            </a:extLst>
+          </p:cNvPr>
+          <p:cNvSpPr/>
+          <p:nvPr/>
+        </p:nvSpPr>
+        <p:spPr>
+          <a:xfrm>
+            <a:off x="6569897" y="4948054"/>
+            <a:ext cx="1798320" cy="1066800"/>
+          </a:xfrm>
+          <a:prstGeom prst="rect">
+            <a:avLst/>
+          </a:prstGeom>
+          <a:solidFill>
+            <a:schemeClr val="accent1">
+              <a:lumMod val="50000"/>
+            </a:schemeClr>
+          </a:solidFill>
+        </p:spPr>
+        <p:style>
+          <a:lnRef idx="2">
+            <a:schemeClr val="accent1">
+              <a:shade val="50000"/>
+            </a:schemeClr>
+          </a:lnRef>
+          <a:fillRef idx="1">
+            <a:schemeClr val="accent1"/>
+          </a:fillRef>
+          <a:effectRef idx="0">
+            <a:schemeClr val="accent1"/>
+          </a:effectRef>
+          <a:fontRef idx="minor">
+            <a:schemeClr val="lt1"/>
+          </a:fontRef>
+        </p:style>
+        <p:txBody>
+          <a:bodyPr rtlCol="0" anchor="ctr"/>
+          <a:lstStyle/>
+          <a:p>
+            <a:pPr algn="ctr"/>
+            <a:r>
+              <a:rPr lang="en-US" dirty="0">
+                <a:solidFill>
+                  <a:schemeClr val="accent1">
+                    <a:lumMod val="60000"/>
+                    <a:lumOff val="40000"/>
+                  </a:schemeClr>
+                </a:solidFill>
+              </a:rPr>
+              <a:t>Model</a:t>
+            </a:r>
+          </a:p>
+          <a:p>
+            <a:pPr algn="ctr"/>
+            <a:endParaRPr lang="en-US" dirty="0">
+              <a:solidFill>
+                <a:schemeClr val="accent1">
+                  <a:lumMod val="60000"/>
+                  <a:lumOff val="40000"/>
+                </a:schemeClr>
+              </a:solidFill>
+            </a:endParaRPr>
+          </a:p>
+          <a:p>
+            <a:pPr algn="ctr"/>
+            <a:r>
+              <a:rPr lang="en-US" sz="1400" dirty="0">
+                <a:solidFill>
+                  <a:schemeClr val="accent1">
+                    <a:lumMod val="60000"/>
+                    <a:lumOff val="40000"/>
+                  </a:schemeClr>
+                </a:solidFill>
+              </a:rPr>
+              <a:t>grouped meshes</a:t>
+            </a:r>
+          </a:p>
+        </p:txBody>
+      </p:sp>
+      <p:cxnSp>
+        <p:nvCxnSpPr>
+          <p:cNvPr id="15" name="Verbinder: gewinkelt 14">
+            <a:extLst>
+              <a:ext uri="{FF2B5EF4-FFF2-40B4-BE49-F238E27FC236}">
+                <a16:creationId xmlns:a16="http://schemas.microsoft.com/office/drawing/2014/main" id="{AC0E1224-BFC0-4B90-8CC9-7A03F6C9D46E}"/>
+              </a:ext>
+            </a:extLst>
+          </p:cNvPr>
+          <p:cNvCxnSpPr>
+            <a:cxnSpLocks/>
+            <a:stCxn id="6" idx="3"/>
+            <a:endCxn id="5" idx="1"/>
+          </p:cNvCxnSpPr>
+          <p:nvPr/>
+        </p:nvCxnSpPr>
+        <p:spPr>
+          <a:xfrm>
+            <a:off x="6013269" y="3977957"/>
+            <a:ext cx="556628" cy="4249"/>
+          </a:xfrm>
+          <a:prstGeom prst="bentConnector3">
+            <a:avLst/>
+          </a:prstGeom>
+          <a:ln w="19050" cap="flat" cmpd="sng" algn="ctr">
+            <a:solidFill>
+              <a:schemeClr val="accent6"/>
+            </a:solidFill>
+            <a:prstDash val="dash"/>
+            <a:round/>
+            <a:headEnd type="none" w="med" len="med"/>
+            <a:tailEnd type="triangle" w="med" len="med"/>
+          </a:ln>
+        </p:spPr>
+        <p:style>
+          <a:lnRef idx="0">
+            <a:scrgbClr r="0" g="0" b="0"/>
+          </a:lnRef>
+          <a:fillRef idx="0">
+            <a:scrgbClr r="0" g="0" b="0"/>
+          </a:fillRef>
+          <a:effectRef idx="0">
+            <a:scrgbClr r="0" g="0" b="0"/>
+          </a:effectRef>
+          <a:fontRef idx="minor">
+            <a:schemeClr val="tx1"/>
+          </a:fontRef>
+        </p:style>
+      </p:cxnSp>
+      <p:cxnSp>
+        <p:nvCxnSpPr>
+          <p:cNvPr id="21" name="Verbinder: gewinkelt 20">
+            <a:extLst>
+              <a:ext uri="{FF2B5EF4-FFF2-40B4-BE49-F238E27FC236}">
+                <a16:creationId xmlns:a16="http://schemas.microsoft.com/office/drawing/2014/main" id="{2BC2DFDB-2ECD-4903-880C-AAE1EB82557D}"/>
+              </a:ext>
+            </a:extLst>
+          </p:cNvPr>
+          <p:cNvCxnSpPr>
+            <a:cxnSpLocks/>
+            <a:stCxn id="6" idx="3"/>
+            <a:endCxn id="9" idx="1"/>
+          </p:cNvCxnSpPr>
+          <p:nvPr/>
+        </p:nvCxnSpPr>
+        <p:spPr>
+          <a:xfrm flipV="1">
+            <a:off x="6013269" y="2482958"/>
+            <a:ext cx="556628" cy="1494999"/>
+          </a:xfrm>
+          <a:prstGeom prst="bentConnector3">
+            <a:avLst/>
+          </a:prstGeom>
+          <a:ln w="19050" cap="flat" cmpd="sng" algn="ctr">
+            <a:solidFill>
+              <a:schemeClr val="accent6"/>
+            </a:solidFill>
+            <a:prstDash val="dash"/>
+            <a:round/>
+            <a:headEnd type="none" w="med" len="med"/>
+            <a:tailEnd type="triangle" w="med" len="med"/>
+          </a:ln>
+        </p:spPr>
+        <p:style>
+          <a:lnRef idx="0">
+            <a:scrgbClr r="0" g="0" b="0"/>
+          </a:lnRef>
+          <a:fillRef idx="0">
+            <a:scrgbClr r="0" g="0" b="0"/>
+          </a:fillRef>
+          <a:effectRef idx="0">
+            <a:scrgbClr r="0" g="0" b="0"/>
+          </a:effectRef>
+          <a:fontRef idx="minor">
+            <a:schemeClr val="tx1"/>
+          </a:fontRef>
+        </p:style>
+      </p:cxnSp>
+      <p:cxnSp>
+        <p:nvCxnSpPr>
+          <p:cNvPr id="25" name="Verbinder: gewinkelt 24">
+            <a:extLst>
+              <a:ext uri="{FF2B5EF4-FFF2-40B4-BE49-F238E27FC236}">
+                <a16:creationId xmlns:a16="http://schemas.microsoft.com/office/drawing/2014/main" id="{B85FCD61-6FE3-4A48-93F6-22FD5E329541}"/>
+              </a:ext>
+            </a:extLst>
+          </p:cNvPr>
+          <p:cNvCxnSpPr>
+            <a:cxnSpLocks/>
+            <a:stCxn id="6" idx="3"/>
+            <a:endCxn id="13" idx="1"/>
+          </p:cNvCxnSpPr>
+          <p:nvPr/>
+        </p:nvCxnSpPr>
+        <p:spPr>
+          <a:xfrm>
+            <a:off x="6013269" y="3977957"/>
+            <a:ext cx="556628" cy="1503497"/>
+          </a:xfrm>
+          <a:prstGeom prst="bentConnector3">
+            <a:avLst/>
+          </a:prstGeom>
+          <a:ln w="19050" cap="flat" cmpd="sng" algn="ctr">
+            <a:solidFill>
+              <a:schemeClr val="accent6"/>
+            </a:solidFill>
+            <a:prstDash val="dash"/>
+            <a:round/>
+            <a:headEnd type="none" w="med" len="med"/>
+            <a:tailEnd type="triangle" w="med" len="med"/>
+          </a:ln>
+        </p:spPr>
+        <p:style>
+          <a:lnRef idx="0">
+            <a:scrgbClr r="0" g="0" b="0"/>
+          </a:lnRef>
+          <a:fillRef idx="0">
+            <a:scrgbClr r="0" g="0" b="0"/>
+          </a:fillRef>
+          <a:effectRef idx="0">
+            <a:scrgbClr r="0" g="0" b="0"/>
+          </a:effectRef>
+          <a:fontRef idx="minor">
+            <a:schemeClr val="tx1"/>
+          </a:fontRef>
+        </p:style>
+      </p:cxnSp>
+      <p:cxnSp>
+        <p:nvCxnSpPr>
+          <p:cNvPr id="29" name="Verbinder: gewinkelt 28">
+            <a:extLst>
+              <a:ext uri="{FF2B5EF4-FFF2-40B4-BE49-F238E27FC236}">
+                <a16:creationId xmlns:a16="http://schemas.microsoft.com/office/drawing/2014/main" id="{42C013E8-6DD0-4E3F-B3EC-3F57567D954B}"/>
+              </a:ext>
+            </a:extLst>
+          </p:cNvPr>
+          <p:cNvCxnSpPr>
+            <a:cxnSpLocks/>
+          </p:cNvCxnSpPr>
+          <p:nvPr/>
+        </p:nvCxnSpPr>
+        <p:spPr>
+          <a:xfrm flipV="1">
+            <a:off x="8368217" y="3977957"/>
+            <a:ext cx="556628" cy="4249"/>
+          </a:xfrm>
+          <a:prstGeom prst="bentConnector3">
+            <a:avLst/>
+          </a:prstGeom>
+          <a:ln w="19050" cap="flat" cmpd="sng" algn="ctr">
+            <a:solidFill>
+              <a:schemeClr val="accent6"/>
+            </a:solidFill>
+            <a:prstDash val="dash"/>
+            <a:round/>
+            <a:headEnd type="none" w="med" len="med"/>
+            <a:tailEnd type="triangle" w="med" len="med"/>
+          </a:ln>
+        </p:spPr>
+        <p:style>
+          <a:lnRef idx="0">
+            <a:scrgbClr r="0" g="0" b="0"/>
+          </a:lnRef>
+          <a:fillRef idx="0">
+            <a:scrgbClr r="0" g="0" b="0"/>
+          </a:fillRef>
+          <a:effectRef idx="0">
+            <a:scrgbClr r="0" g="0" b="0"/>
+          </a:effectRef>
+          <a:fontRef idx="minor">
+            <a:schemeClr val="tx1"/>
+          </a:fontRef>
+        </p:style>
+      </p:cxnSp>
+      <p:cxnSp>
+        <p:nvCxnSpPr>
+          <p:cNvPr id="30" name="Verbinder: gewinkelt 29">
+            <a:extLst>
+              <a:ext uri="{FF2B5EF4-FFF2-40B4-BE49-F238E27FC236}">
+                <a16:creationId xmlns:a16="http://schemas.microsoft.com/office/drawing/2014/main" id="{021F6E76-CCF7-4D74-A0AE-92F3FC382B3C}"/>
+              </a:ext>
+            </a:extLst>
+          </p:cNvPr>
+          <p:cNvCxnSpPr>
+            <a:cxnSpLocks/>
+          </p:cNvCxnSpPr>
+          <p:nvPr/>
+        </p:nvCxnSpPr>
+        <p:spPr>
+          <a:xfrm flipV="1">
+            <a:off x="8368217" y="2478709"/>
+            <a:ext cx="556628" cy="1503497"/>
+          </a:xfrm>
+          <a:prstGeom prst="bentConnector3">
+            <a:avLst/>
+          </a:prstGeom>
+          <a:ln w="19050" cap="flat" cmpd="sng" algn="ctr">
+            <a:solidFill>
+              <a:schemeClr val="accent6"/>
+            </a:solidFill>
+            <a:prstDash val="dash"/>
+            <a:round/>
+            <a:headEnd type="none" w="med" len="med"/>
+            <a:tailEnd type="triangle" w="med" len="med"/>
+          </a:ln>
+        </p:spPr>
+        <p:style>
+          <a:lnRef idx="0">
+            <a:scrgbClr r="0" g="0" b="0"/>
+          </a:lnRef>
+          <a:fillRef idx="0">
+            <a:scrgbClr r="0" g="0" b="0"/>
+          </a:fillRef>
+          <a:effectRef idx="0">
+            <a:scrgbClr r="0" g="0" b="0"/>
+          </a:effectRef>
+          <a:fontRef idx="minor">
+            <a:schemeClr val="tx1"/>
+          </a:fontRef>
+        </p:style>
+      </p:cxnSp>
+      <p:cxnSp>
+        <p:nvCxnSpPr>
+          <p:cNvPr id="31" name="Verbinder: gewinkelt 30">
+            <a:extLst>
+              <a:ext uri="{FF2B5EF4-FFF2-40B4-BE49-F238E27FC236}">
+                <a16:creationId xmlns:a16="http://schemas.microsoft.com/office/drawing/2014/main" id="{DA216CF7-05B2-4FBD-A1B2-B59E73CE6E56}"/>
+              </a:ext>
+            </a:extLst>
+          </p:cNvPr>
+          <p:cNvCxnSpPr>
+            <a:cxnSpLocks/>
+          </p:cNvCxnSpPr>
+          <p:nvPr/>
+        </p:nvCxnSpPr>
+        <p:spPr>
+          <a:xfrm>
+            <a:off x="8368217" y="3982206"/>
+            <a:ext cx="556628" cy="1494999"/>
+          </a:xfrm>
+          <a:prstGeom prst="bentConnector3">
+            <a:avLst/>
+          </a:prstGeom>
+          <a:ln w="19050" cap="flat" cmpd="sng" algn="ctr">
+            <a:solidFill>
+              <a:schemeClr val="accent6"/>
+            </a:solidFill>
+            <a:prstDash val="dash"/>
+            <a:round/>
+            <a:headEnd type="none" w="med" len="med"/>
+            <a:tailEnd type="triangle" w="med" len="med"/>
+          </a:ln>
+        </p:spPr>
+        <p:style>
+          <a:lnRef idx="0">
+            <a:scrgbClr r="0" g="0" b="0"/>
+          </a:lnRef>
+          <a:fillRef idx="0">
+            <a:scrgbClr r="0" g="0" b="0"/>
+          </a:fillRef>
+          <a:effectRef idx="0">
+            <a:scrgbClr r="0" g="0" b="0"/>
+          </a:effectRef>
+          <a:fontRef idx="minor">
+            <a:schemeClr val="tx1"/>
+          </a:fontRef>
+        </p:style>
+      </p:cxnSp>
+      <p:cxnSp>
+        <p:nvCxnSpPr>
+          <p:cNvPr id="32" name="Verbinder: gewinkelt 31">
+            <a:extLst>
+              <a:ext uri="{FF2B5EF4-FFF2-40B4-BE49-F238E27FC236}">
+                <a16:creationId xmlns:a16="http://schemas.microsoft.com/office/drawing/2014/main" id="{A2126A1A-49AE-47B7-9EAF-496C74C97570}"/>
+              </a:ext>
+            </a:extLst>
+          </p:cNvPr>
+          <p:cNvCxnSpPr>
+            <a:cxnSpLocks/>
+            <a:stCxn id="12" idx="3"/>
+            <a:endCxn id="6" idx="1"/>
+          </p:cNvCxnSpPr>
+          <p:nvPr/>
+        </p:nvCxnSpPr>
+        <p:spPr>
+          <a:xfrm flipV="1">
+            <a:off x="3191336" y="3977957"/>
+            <a:ext cx="1023613" cy="3692"/>
+          </a:xfrm>
+          <a:prstGeom prst="bentConnector3">
+            <a:avLst/>
+          </a:prstGeom>
+          <a:ln w="19050" cap="flat" cmpd="sng" algn="ctr">
+            <a:solidFill>
+              <a:schemeClr val="accent6"/>
+            </a:solidFill>
+            <a:prstDash val="dash"/>
+            <a:round/>
+            <a:headEnd type="none" w="med" len="med"/>
+            <a:tailEnd type="triangle" w="med" len="med"/>
+          </a:ln>
+        </p:spPr>
+        <p:style>
+          <a:lnRef idx="0">
+            <a:scrgbClr r="0" g="0" b="0"/>
+          </a:lnRef>
+          <a:fillRef idx="0">
+            <a:scrgbClr r="0" g="0" b="0"/>
+          </a:fillRef>
+          <a:effectRef idx="0">
+            <a:scrgbClr r="0" g="0" b="0"/>
+          </a:effectRef>
+          <a:fontRef idx="minor">
+            <a:schemeClr val="tx1"/>
+          </a:fontRef>
+        </p:style>
+      </p:cxnSp>
+      <p:cxnSp>
+        <p:nvCxnSpPr>
+          <p:cNvPr id="33" name="Verbinder: gewinkelt 32">
+            <a:extLst>
+              <a:ext uri="{FF2B5EF4-FFF2-40B4-BE49-F238E27FC236}">
+                <a16:creationId xmlns:a16="http://schemas.microsoft.com/office/drawing/2014/main" id="{57D06A37-FF71-41EE-BCE3-110AA730CCAD}"/>
+              </a:ext>
+            </a:extLst>
+          </p:cNvPr>
+          <p:cNvCxnSpPr>
+            <a:cxnSpLocks/>
+            <a:stCxn id="12" idx="3"/>
+            <a:endCxn id="7" idx="1"/>
+          </p:cNvCxnSpPr>
+          <p:nvPr/>
+        </p:nvCxnSpPr>
+        <p:spPr>
+          <a:xfrm flipV="1">
+            <a:off x="3191336" y="2492273"/>
+            <a:ext cx="1023613" cy="1489376"/>
+          </a:xfrm>
+          <a:prstGeom prst="bentConnector3">
+            <a:avLst>
+              <a:gd name="adj1" fmla="val 50000"/>
+            </a:avLst>
+          </a:prstGeom>
+          <a:ln w="19050" cap="flat" cmpd="sng" algn="ctr">
+            <a:solidFill>
+              <a:schemeClr val="accent6"/>
+            </a:solidFill>
+            <a:prstDash val="dash"/>
+            <a:round/>
+            <a:headEnd type="none" w="med" len="med"/>
+            <a:tailEnd type="triangle" w="med" len="med"/>
+          </a:ln>
+        </p:spPr>
+        <p:style>
+          <a:lnRef idx="0">
+            <a:scrgbClr r="0" g="0" b="0"/>
+          </a:lnRef>
+          <a:fillRef idx="0">
+            <a:scrgbClr r="0" g="0" b="0"/>
+          </a:fillRef>
+          <a:effectRef idx="0">
+            <a:scrgbClr r="0" g="0" b="0"/>
+          </a:effectRef>
+          <a:fontRef idx="minor">
+            <a:schemeClr val="tx1"/>
+          </a:fontRef>
+        </p:style>
+      </p:cxnSp>
+      <p:cxnSp>
+        <p:nvCxnSpPr>
+          <p:cNvPr id="34" name="Verbinder: gewinkelt 33">
+            <a:extLst>
+              <a:ext uri="{FF2B5EF4-FFF2-40B4-BE49-F238E27FC236}">
+                <a16:creationId xmlns:a16="http://schemas.microsoft.com/office/drawing/2014/main" id="{5D76CA15-426F-46B3-A980-C05ECC713F53}"/>
+              </a:ext>
+            </a:extLst>
+          </p:cNvPr>
+          <p:cNvCxnSpPr>
+            <a:cxnSpLocks/>
+            <a:stCxn id="12" idx="3"/>
+            <a:endCxn id="8" idx="1"/>
+          </p:cNvCxnSpPr>
+          <p:nvPr/>
+        </p:nvCxnSpPr>
+        <p:spPr>
+          <a:xfrm>
+            <a:off x="3191336" y="3981649"/>
+            <a:ext cx="1023613" cy="1498690"/>
+          </a:xfrm>
+          <a:prstGeom prst="bentConnector3">
+            <a:avLst>
+              <a:gd name="adj1" fmla="val 50000"/>
+            </a:avLst>
+          </a:prstGeom>
+          <a:ln w="19050" cap="flat" cmpd="sng" algn="ctr">
+            <a:solidFill>
+              <a:schemeClr val="accent6"/>
+            </a:solidFill>
+            <a:prstDash val="dash"/>
+            <a:round/>
+            <a:headEnd type="none" w="med" len="med"/>
+            <a:tailEnd type="triangle" w="med" len="med"/>
+          </a:ln>
+        </p:spPr>
+        <p:style>
+          <a:lnRef idx="0">
+            <a:scrgbClr r="0" g="0" b="0"/>
+          </a:lnRef>
+          <a:fillRef idx="0">
+            <a:scrgbClr r="0" g="0" b="0"/>
+          </a:fillRef>
+          <a:effectRef idx="0">
+            <a:scrgbClr r="0" g="0" b="0"/>
+          </a:effectRef>
+          <a:fontRef idx="minor">
+            <a:schemeClr val="tx1"/>
+          </a:fontRef>
+        </p:style>
+      </p:cxnSp>
+    </p:spTree>
+    <p:extLst>
+      <p:ext uri="{BB962C8B-B14F-4D97-AF65-F5344CB8AC3E}">
+        <p14:creationId xmlns:p14="http://schemas.microsoft.com/office/powerpoint/2010/main" val="2804847330"/>
+      </p:ext>
+    </p:extLst>
+  </p:cSld>
+  <p:clrMapOvr>
+    <a:masterClrMapping/>
+  </p:clrMapOvr>
+</p:sld>
+</file>
+
+<file path=ppt/slides/slide6.xml><?xml version="1.0" encoding="utf-8"?>
+<p:sld xmlns:a="http://schemas.openxmlformats.org/drawingml/2006/main" xmlns:r="http://schemas.openxmlformats.org/officeDocument/2006/relationships" xmlns:p="http://schemas.openxmlformats.org/presentationml/2006/main">
+  <p:cSld>
+    <p:bg>
+      <p:bgPr>
+        <a:blipFill rotWithShape="1">
+          <a:blip r:embed="rId2">
+            <a:duotone>
+              <a:schemeClr val="bg2">
+                <a:shade val="80000"/>
+                <a:lumMod val="80000"/>
+              </a:schemeClr>
+              <a:schemeClr val="bg2">
+                <a:tint val="98000"/>
+              </a:schemeClr>
+            </a:duotone>
+          </a:blip>
+          <a:stretch/>
+        </a:blipFill>
+        <a:effectLst/>
+      </p:bgPr>
+    </p:bg>
+    <p:spTree>
+      <p:nvGrpSpPr>
+        <p:cNvPr id="1" name=""/>
+        <p:cNvGrpSpPr/>
+        <p:nvPr/>
+      </p:nvGrpSpPr>
+      <p:grpSpPr>
+        <a:xfrm>
+          <a:off x="0" y="0"/>
+          <a:ext cx="0" cy="0"/>
+          <a:chOff x="0" y="0"/>
+          <a:chExt cx="0" cy="0"/>
+        </a:xfrm>
+      </p:grpSpPr>
+      <p:sp>
+        <p:nvSpPr>
+          <p:cNvPr id="2" name="Titel 1">
+            <a:extLst>
+              <a:ext uri="{FF2B5EF4-FFF2-40B4-BE49-F238E27FC236}">
                 <a16:creationId xmlns:a16="http://schemas.microsoft.com/office/drawing/2014/main" id="{6A65E279-8117-4AFE-8D89-F741F649EC80}"/>
               </a:ext>
             </a:extLst>
@@ -6354,18 +7839,120 @@
             <p:ph type="title"/>
           </p:nvPr>
         </p:nvSpPr>
-        <p:spPr/>
-        <p:txBody>
-          <a:bodyPr/>
+        <p:spPr>
+          <a:xfrm>
+            <a:off x="913795" y="609600"/>
+            <a:ext cx="10353762" cy="970450"/>
+          </a:xfrm>
+        </p:spPr>
+        <p:txBody>
+          <a:bodyPr>
+            <a:normAutofit/>
+          </a:bodyPr>
+          <a:lstStyle/>
+          <a:p>
+            <a:r>
+              <a:rPr lang="en-US"/>
+              <a:t>Loading Objects and Textures</a:t>
+            </a:r>
+            <a:endParaRPr lang="en-US" dirty="0"/>
+          </a:p>
+        </p:txBody>
+      </p:sp>
+      <p:sp>
+        <p:nvSpPr>
+          <p:cNvPr id="14" name="Content Placeholder 8">
+            <a:extLst>
+              <a:ext uri="{FF2B5EF4-FFF2-40B4-BE49-F238E27FC236}">
+                <a16:creationId xmlns:a16="http://schemas.microsoft.com/office/drawing/2014/main" id="{E02A030F-9DDE-4B8C-906D-058DD8E2F4AC}"/>
+              </a:ext>
+            </a:extLst>
+          </p:cNvPr>
+          <p:cNvSpPr>
+            <a:spLocks noGrp="1"/>
+          </p:cNvSpPr>
+          <p:nvPr>
+            <p:ph idx="1"/>
+          </p:nvPr>
+        </p:nvSpPr>
+        <p:spPr>
+          <a:xfrm>
+            <a:off x="913795" y="1732449"/>
+            <a:ext cx="5546272" cy="4058751"/>
+          </a:xfrm>
+        </p:spPr>
+        <p:txBody>
+          <a:bodyPr anchor="ctr">
+            <a:normAutofit/>
+          </a:bodyPr>
           <a:lstStyle/>
           <a:p>
             <a:r>
               <a:rPr lang="en-US" dirty="0"/>
-              <a:t>Loading Objects and Textures</a:t>
-            </a:r>
-          </a:p>
-        </p:txBody>
-      </p:sp>
+              <a:t>Using </a:t>
+            </a:r>
+            <a:r>
+              <a:rPr lang="en-US" dirty="0" err="1"/>
+              <a:t>Assimp</a:t>
+            </a:r>
+            <a:endParaRPr lang="en-US" dirty="0"/>
+          </a:p>
+          <a:p>
+            <a:endParaRPr lang="en-US" dirty="0"/>
+          </a:p>
+          <a:p>
+            <a:r>
+              <a:rPr lang="en-US" dirty="0"/>
+              <a:t>First load simple models without hierarchies</a:t>
+            </a:r>
+          </a:p>
+        </p:txBody>
+      </p:sp>
+      <p:pic>
+        <p:nvPicPr>
+          <p:cNvPr id="15" name="Picture 11">
+            <a:extLst>
+              <a:ext uri="{FF2B5EF4-FFF2-40B4-BE49-F238E27FC236}">
+                <a16:creationId xmlns:a16="http://schemas.microsoft.com/office/drawing/2014/main" id="{8B625CBE-14FE-4B8D-A29E-A9CB99F2C47D}"/>
+              </a:ext>
+              <a:ext uri="{C183D7F6-B498-43B3-948B-1728B52AA6E4}">
+                <adec:decorative xmlns:adec="http://schemas.microsoft.com/office/drawing/2017/decorative" val="1"/>
+              </a:ext>
+            </a:extLst>
+          </p:cNvPr>
+          <p:cNvPicPr>
+            <a:picLocks noGrp="1" noRot="1" noChangeAspect="1" noMove="1" noResize="1" noEditPoints="1" noAdjustHandles="1" noChangeArrowheads="1" noChangeShapeType="1" noCrop="1"/>
+          </p:cNvPicPr>
+          <p:nvPr>
+            <p:extLst>
+              <p:ext uri="{386F3935-93C4-4BCD-93E2-E3B085C9AB24}">
+                <p16:designElem xmlns:p16="http://schemas.microsoft.com/office/powerpoint/2015/main" val="1"/>
+              </p:ext>
+            </p:extLst>
+          </p:nvPr>
+        </p:nvPicPr>
+        <p:blipFill>
+          <a:blip r:embed="rId3">
+            <a:extLst>
+              <a:ext uri="{28A0092B-C50C-407E-A947-70E740481C1C}">
+                <a14:useLocalDpi xmlns:a14="http://schemas.microsoft.com/office/drawing/2010/main" val="0"/>
+              </a:ext>
+            </a:extLst>
+          </a:blip>
+          <a:stretch>
+            <a:fillRect/>
+          </a:stretch>
+        </p:blipFill>
+        <p:spPr>
+          <a:xfrm>
+            <a:off x="6934200" y="1998132"/>
+            <a:ext cx="4333632" cy="3521077"/>
+          </a:xfrm>
+          <a:prstGeom prst="rect">
+            <a:avLst/>
+          </a:prstGeom>
+        </p:spPr>
+      </p:pic>
       <p:pic>
         <p:nvPicPr>
           <p:cNvPr id="5" name="Inhaltsplatzhalter 4">
@@ -6376,28 +7963,216 @@
             </a:extLst>
           </p:cNvPr>
           <p:cNvPicPr>
-            <a:picLocks noGrp="1" noChangeAspect="1"/>
+            <a:picLocks noChangeAspect="1"/>
           </p:cNvPicPr>
-          <p:nvPr>
-            <p:ph idx="1"/>
-          </p:nvPr>
+          <p:nvPr/>
         </p:nvPicPr>
         <p:blipFill>
-          <a:blip r:embed="rId2"/>
+          <a:blip r:embed="rId4"/>
           <a:stretch>
             <a:fillRect/>
           </a:stretch>
         </p:blipFill>
         <p:spPr>
           <a:xfrm>
-            <a:off x="1606125" y="2320324"/>
-            <a:ext cx="3610479" cy="3410426"/>
-          </a:xfrm>
+            <a:off x="7374733" y="2132822"/>
+            <a:ext cx="3449118" cy="3258006"/>
+          </a:xfrm>
+          <a:prstGeom prst="rect">
+            <a:avLst/>
+          </a:prstGeom>
+        </p:spPr>
+      </p:pic>
+    </p:spTree>
+    <p:extLst>
+      <p:ext uri="{BB962C8B-B14F-4D97-AF65-F5344CB8AC3E}">
+        <p14:creationId xmlns:p14="http://schemas.microsoft.com/office/powerpoint/2010/main" val="1490454533"/>
+      </p:ext>
+    </p:extLst>
+  </p:cSld>
+  <p:clrMapOvr>
+    <a:masterClrMapping/>
+  </p:clrMapOvr>
+</p:sld>
+</file>
+
+<file path=ppt/slides/slide7.xml><?xml version="1.0" encoding="utf-8"?>
+<p:sld xmlns:a="http://schemas.openxmlformats.org/drawingml/2006/main" xmlns:r="http://schemas.openxmlformats.org/officeDocument/2006/relationships" xmlns:p="http://schemas.openxmlformats.org/presentationml/2006/main">
+  <p:cSld>
+    <p:bg>
+      <p:bgPr>
+        <a:blipFill rotWithShape="1">
+          <a:blip r:embed="rId2">
+            <a:duotone>
+              <a:schemeClr val="bg2">
+                <a:shade val="80000"/>
+                <a:lumMod val="80000"/>
+              </a:schemeClr>
+              <a:schemeClr val="bg2">
+                <a:tint val="98000"/>
+              </a:schemeClr>
+            </a:duotone>
+          </a:blip>
+          <a:stretch/>
+        </a:blipFill>
+        <a:effectLst/>
+      </p:bgPr>
+    </p:bg>
+    <p:spTree>
+      <p:nvGrpSpPr>
+        <p:cNvPr id="1" name=""/>
+        <p:cNvGrpSpPr/>
+        <p:nvPr/>
+      </p:nvGrpSpPr>
+      <p:grpSpPr>
+        <a:xfrm>
+          <a:off x="0" y="0"/>
+          <a:ext cx="0" cy="0"/>
+          <a:chOff x="0" y="0"/>
+          <a:chExt cx="0" cy="0"/>
+        </a:xfrm>
+      </p:grpSpPr>
+      <p:sp>
+        <p:nvSpPr>
+          <p:cNvPr id="2" name="Titel 1">
+            <a:extLst>
+              <a:ext uri="{FF2B5EF4-FFF2-40B4-BE49-F238E27FC236}">
+                <a16:creationId xmlns:a16="http://schemas.microsoft.com/office/drawing/2014/main" id="{6A65E279-8117-4AFE-8D89-F741F649EC80}"/>
+              </a:ext>
+            </a:extLst>
+          </p:cNvPr>
+          <p:cNvSpPr>
+            <a:spLocks noGrp="1"/>
+          </p:cNvSpPr>
+          <p:nvPr>
+            <p:ph type="title"/>
+          </p:nvPr>
+        </p:nvSpPr>
+        <p:spPr>
+          <a:xfrm>
+            <a:off x="913795" y="609600"/>
+            <a:ext cx="10353762" cy="970450"/>
+          </a:xfrm>
+        </p:spPr>
+        <p:txBody>
+          <a:bodyPr>
+            <a:normAutofit/>
+          </a:bodyPr>
+          <a:lstStyle/>
+          <a:p>
+            <a:r>
+              <a:rPr lang="en-US" dirty="0"/>
+              <a:t>Loading Objects and Textures</a:t>
+            </a:r>
+          </a:p>
+        </p:txBody>
+      </p:sp>
+      <p:sp>
+        <p:nvSpPr>
+          <p:cNvPr id="10" name="Inhaltsplatzhalter 9">
+            <a:extLst>
+              <a:ext uri="{FF2B5EF4-FFF2-40B4-BE49-F238E27FC236}">
+                <a16:creationId xmlns:a16="http://schemas.microsoft.com/office/drawing/2014/main" id="{9B279BD8-7B3C-41E8-895A-7955B133F8EF}"/>
+              </a:ext>
+            </a:extLst>
+          </p:cNvPr>
+          <p:cNvSpPr>
+            <a:spLocks noGrp="1"/>
+          </p:cNvSpPr>
+          <p:nvPr>
+            <p:ph idx="1"/>
+          </p:nvPr>
+        </p:nvSpPr>
+        <p:spPr>
+          <a:xfrm>
+            <a:off x="913795" y="1732449"/>
+            <a:ext cx="5546272" cy="4058751"/>
+          </a:xfrm>
+        </p:spPr>
+        <p:txBody>
+          <a:bodyPr anchor="ctr">
+            <a:normAutofit/>
+          </a:bodyPr>
+          <a:lstStyle/>
+          <a:p>
+            <a:r>
+              <a:rPr lang="en-US" dirty="0"/>
+              <a:t>Add texture loading using </a:t>
+            </a:r>
+            <a:r>
+              <a:rPr lang="en-US" dirty="0" err="1"/>
+              <a:t>stb_image</a:t>
+            </a:r>
+            <a:endParaRPr lang="en-US" dirty="0"/>
+          </a:p>
+          <a:p>
+            <a:endParaRPr lang="en-US" dirty="0"/>
+          </a:p>
+          <a:p>
+            <a:r>
+              <a:rPr lang="en-US" dirty="0"/>
+              <a:t>Extend object loading with hierarchies</a:t>
+            </a:r>
+          </a:p>
+          <a:p>
+            <a:endParaRPr lang="en-US" dirty="0"/>
+          </a:p>
+          <a:p>
+            <a:r>
+              <a:rPr lang="en-US" dirty="0"/>
+              <a:t>A lot of debugging</a:t>
+            </a:r>
+          </a:p>
+        </p:txBody>
+      </p:sp>
+      <p:pic>
+        <p:nvPicPr>
+          <p:cNvPr id="15" name="Picture 14">
+            <a:extLst>
+              <a:ext uri="{FF2B5EF4-FFF2-40B4-BE49-F238E27FC236}">
+                <a16:creationId xmlns:a16="http://schemas.microsoft.com/office/drawing/2014/main" id="{8B625CBE-14FE-4B8D-A29E-A9CB99F2C47D}"/>
+              </a:ext>
+              <a:ext uri="{C183D7F6-B498-43B3-948B-1728B52AA6E4}">
+                <adec:decorative xmlns:adec="http://schemas.microsoft.com/office/drawing/2017/decorative" val="1"/>
+              </a:ext>
+            </a:extLst>
+          </p:cNvPr>
+          <p:cNvPicPr>
+            <a:picLocks noGrp="1" noRot="1" noChangeAspect="1" noMove="1" noResize="1" noEditPoints="1" noAdjustHandles="1" noChangeArrowheads="1" noChangeShapeType="1" noCrop="1"/>
+          </p:cNvPicPr>
+          <p:nvPr>
+            <p:extLst>
+              <p:ext uri="{386F3935-93C4-4BCD-93E2-E3B085C9AB24}">
+                <p16:designElem xmlns:p16="http://schemas.microsoft.com/office/powerpoint/2015/main" val="1"/>
+              </p:ext>
+            </p:extLst>
+          </p:nvPr>
+        </p:nvPicPr>
+        <p:blipFill>
+          <a:blip r:embed="rId3">
+            <a:extLst>
+              <a:ext uri="{28A0092B-C50C-407E-A947-70E740481C1C}">
+                <a14:useLocalDpi xmlns:a14="http://schemas.microsoft.com/office/drawing/2010/main" val="0"/>
+              </a:ext>
+            </a:extLst>
+          </a:blip>
+          <a:stretch>
+            <a:fillRect/>
+          </a:stretch>
+        </p:blipFill>
+        <p:spPr>
+          <a:xfrm>
+            <a:off x="6934200" y="1998132"/>
+            <a:ext cx="4333632" cy="3521077"/>
+          </a:xfrm>
+          <a:prstGeom prst="rect">
+            <a:avLst/>
+          </a:prstGeom>
         </p:spPr>
       </p:pic>
       <p:pic>
         <p:nvPicPr>
-          <p:cNvPr id="7" name="Grafik 6">
+          <p:cNvPr id="7" name="Grafik 6" descr="Ein Bild, das drinnen, aus Holz, Container, Kasten enthält.&#10;&#10;Automatisch generierte Beschreibung">
             <a:extLst>
               <a:ext uri="{FF2B5EF4-FFF2-40B4-BE49-F238E27FC236}">
                 <a16:creationId xmlns:a16="http://schemas.microsoft.com/office/drawing/2014/main" id="{7CDE2DDE-BFAA-423D-94E3-856188816BE1}"/>
@@ -6410,15 +8185,15 @@
           <p:nvPr/>
         </p:nvPicPr>
         <p:blipFill>
-          <a:blip r:embed="rId3"/>
+          <a:blip r:embed="rId4"/>
           <a:stretch>
             <a:fillRect/>
           </a:stretch>
         </p:blipFill>
         <p:spPr>
           <a:xfrm>
-            <a:off x="6090676" y="2804686"/>
-            <a:ext cx="4695862" cy="2926064"/>
+            <a:off x="7066560" y="2495198"/>
+            <a:ext cx="4065464" cy="2533254"/>
           </a:xfrm>
           <a:prstGeom prst="rect">
             <a:avLst/>
@@ -6438,7 +8213,7 @@
 </p:sld>
 </file>
 
-<file path=ppt/slides/slide5.xml><?xml version="1.0" encoding="utf-8"?>
+<file path=ppt/slides/slide8.xml><?xml version="1.0" encoding="utf-8"?>
 <p:sld xmlns:a="http://schemas.openxmlformats.org/drawingml/2006/main" xmlns:r="http://schemas.openxmlformats.org/officeDocument/2006/relationships" xmlns:p="http://schemas.openxmlformats.org/presentationml/2006/main">
   <p:cSld>
     <p:spTree>
@@ -6694,28 +8469,28 @@
         <a:srgbClr val="DADADA"/>
       </a:lt2>
       <a:accent1>
-        <a:srgbClr val="BC451B"/>
+        <a:srgbClr val="826F61"/>
       </a:accent1>
       <a:accent2>
-        <a:srgbClr val="D3BA68"/>
+        <a:srgbClr val="A19C7F"/>
       </a:accent2>
       <a:accent3>
-        <a:srgbClr val="BB8640"/>
+        <a:srgbClr val="9AA489"/>
       </a:accent3>
       <a:accent4>
-        <a:srgbClr val="AD9277"/>
+        <a:srgbClr val="7C938B"/>
       </a:accent4>
       <a:accent5>
-        <a:srgbClr val="A55A43"/>
+        <a:srgbClr val="7C7D92"/>
       </a:accent5>
       <a:accent6>
-        <a:srgbClr val="AD9D7B"/>
+        <a:srgbClr val="897376"/>
       </a:accent6>
       <a:hlink>
-        <a:srgbClr val="E98052"/>
+        <a:srgbClr val="D29B73"/>
       </a:hlink>
       <a:folHlink>
-        <a:srgbClr val="F4B69B"/>
+        <a:srgbClr val="F4C5A4"/>
       </a:folHlink>
     </a:clrScheme>
     <a:fontScheme name="Schiefer">
@@ -6913,7 +8688,7 @@
   <a:extraClrSchemeLst/>
   <a:extLst>
     <a:ext uri="{05A4C25C-085E-4340-85A3-A5531E510DB2}">
-      <thm15:themeFamily xmlns:thm15="http://schemas.microsoft.com/office/thememl/2012/main" name="Slate" id="{C3F70B94-7CE9-428E-ADC1-3269CC2C3385}" vid="{3F2DE9A5-64E6-437C-A389-CC4477E817E8}"/>
+      <thm15:themeFamily xmlns:thm15="http://schemas.microsoft.com/office/thememl/2012/main" name="Slate" id="{C3F70B94-7CE9-428E-ADC1-3269CC2C3385}" vid="{FF747C5C-A8E8-4833-9E55-3D08FE4E487A}"/>
     </a:ext>
   </a:extLst>
 </a:theme>

--- a/docs/milestone_1.pptx
+++ b/docs/milestone_1.pptx
@@ -10,8 +10,8 @@
     <p:sldId id="257" r:id="rId4"/>
     <p:sldId id="259" r:id="rId5"/>
     <p:sldId id="262" r:id="rId6"/>
-    <p:sldId id="263" r:id="rId7"/>
-    <p:sldId id="258" r:id="rId8"/>
+    <p:sldId id="265" r:id="rId7"/>
+    <p:sldId id="266" r:id="rId8"/>
     <p:sldId id="260" r:id="rId9"/>
   </p:sldIdLst>
   <p:sldSz cx="12192000" cy="6858000"/>
@@ -7790,25 +7790,6 @@
 <file path=ppt/slides/slide6.xml><?xml version="1.0" encoding="utf-8"?>
 <p:sld xmlns:a="http://schemas.openxmlformats.org/drawingml/2006/main" xmlns:r="http://schemas.openxmlformats.org/officeDocument/2006/relationships" xmlns:p="http://schemas.openxmlformats.org/presentationml/2006/main">
   <p:cSld>
-    <p:bg>
-      <p:bgPr>
-        <a:blipFill rotWithShape="1">
-          <a:blip r:embed="rId2">
-            <a:duotone>
-              <a:schemeClr val="bg2">
-                <a:shade val="80000"/>
-                <a:lumMod val="80000"/>
-              </a:schemeClr>
-              <a:schemeClr val="bg2">
-                <a:tint val="98000"/>
-              </a:schemeClr>
-            </a:duotone>
-          </a:blip>
-          <a:stretch/>
-        </a:blipFill>
-        <a:effectLst/>
-      </p:bgPr>
-    </p:bg>
     <p:spTree>
       <p:nvGrpSpPr>
         <p:cNvPr id="1" name=""/>
@@ -7828,7 +7809,7 @@
           <p:cNvPr id="2" name="Titel 1">
             <a:extLst>
               <a:ext uri="{FF2B5EF4-FFF2-40B4-BE49-F238E27FC236}">
-                <a16:creationId xmlns:a16="http://schemas.microsoft.com/office/drawing/2014/main" id="{6A65E279-8117-4AFE-8D89-F741F649EC80}"/>
+                <a16:creationId xmlns:a16="http://schemas.microsoft.com/office/drawing/2014/main" id="{2E7F4A95-EC1C-4A19-8CB6-CC071BD5C5F5}"/>
               </a:ext>
             </a:extLst>
           </p:cNvPr>
@@ -7839,32 +7820,24 @@
             <p:ph type="title"/>
           </p:nvPr>
         </p:nvSpPr>
-        <p:spPr>
-          <a:xfrm>
-            <a:off x="913795" y="609600"/>
-            <a:ext cx="10353762" cy="970450"/>
-          </a:xfrm>
-        </p:spPr>
-        <p:txBody>
-          <a:bodyPr>
-            <a:normAutofit/>
-          </a:bodyPr>
-          <a:lstStyle/>
-          <a:p>
-            <a:r>
-              <a:rPr lang="en-US"/>
+        <p:spPr/>
+        <p:txBody>
+          <a:bodyPr/>
+          <a:lstStyle/>
+          <a:p>
+            <a:r>
+              <a:rPr lang="en-US" dirty="0"/>
               <a:t>Loading Objects and Textures</a:t>
             </a:r>
-            <a:endParaRPr lang="en-US" dirty="0"/>
-          </a:p>
-        </p:txBody>
-      </p:sp>
-      <p:sp>
-        <p:nvSpPr>
-          <p:cNvPr id="14" name="Content Placeholder 8">
+          </a:p>
+        </p:txBody>
+      </p:sp>
+      <p:sp>
+        <p:nvSpPr>
+          <p:cNvPr id="3" name="Inhaltsplatzhalter 2">
             <a:extLst>
               <a:ext uri="{FF2B5EF4-FFF2-40B4-BE49-F238E27FC236}">
-                <a16:creationId xmlns:a16="http://schemas.microsoft.com/office/drawing/2014/main" id="{E02A030F-9DDE-4B8C-906D-058DD8E2F4AC}"/>
+                <a16:creationId xmlns:a16="http://schemas.microsoft.com/office/drawing/2014/main" id="{680B36D5-3C18-4490-A5F8-A01298E9C240}"/>
               </a:ext>
             </a:extLst>
           </p:cNvPr>
@@ -7872,19 +7845,12 @@
             <a:spLocks noGrp="1"/>
           </p:cNvSpPr>
           <p:nvPr>
-            <p:ph idx="1"/>
-          </p:nvPr>
-        </p:nvSpPr>
-        <p:spPr>
-          <a:xfrm>
-            <a:off x="913795" y="1732449"/>
-            <a:ext cx="5546272" cy="4058751"/>
-          </a:xfrm>
-        </p:spPr>
-        <p:txBody>
-          <a:bodyPr anchor="ctr">
-            <a:normAutofit/>
-          </a:bodyPr>
+            <p:ph sz="half" idx="1"/>
+          </p:nvPr>
+        </p:nvSpPr>
+        <p:spPr/>
+        <p:txBody>
+          <a:bodyPr anchor="ctr"/>
           <a:lstStyle/>
           <a:p>
             <a:r>
@@ -7906,59 +7872,17 @@
               <a:t>First load simple models without hierarchies</a:t>
             </a:r>
           </a:p>
-        </p:txBody>
-      </p:sp>
-      <p:pic>
-        <p:nvPicPr>
-          <p:cNvPr id="15" name="Picture 11">
-            <a:extLst>
-              <a:ext uri="{FF2B5EF4-FFF2-40B4-BE49-F238E27FC236}">
-                <a16:creationId xmlns:a16="http://schemas.microsoft.com/office/drawing/2014/main" id="{8B625CBE-14FE-4B8D-A29E-A9CB99F2C47D}"/>
-              </a:ext>
-              <a:ext uri="{C183D7F6-B498-43B3-948B-1728B52AA6E4}">
-                <adec:decorative xmlns:adec="http://schemas.microsoft.com/office/drawing/2017/decorative" val="1"/>
-              </a:ext>
-            </a:extLst>
-          </p:cNvPr>
-          <p:cNvPicPr>
-            <a:picLocks noGrp="1" noRot="1" noChangeAspect="1" noMove="1" noResize="1" noEditPoints="1" noAdjustHandles="1" noChangeArrowheads="1" noChangeShapeType="1" noCrop="1"/>
-          </p:cNvPicPr>
-          <p:nvPr>
-            <p:extLst>
-              <p:ext uri="{386F3935-93C4-4BCD-93E2-E3B085C9AB24}">
-                <p16:designElem xmlns:p16="http://schemas.microsoft.com/office/powerpoint/2015/main" val="1"/>
-              </p:ext>
-            </p:extLst>
-          </p:nvPr>
-        </p:nvPicPr>
-        <p:blipFill>
-          <a:blip r:embed="rId3">
-            <a:extLst>
-              <a:ext uri="{28A0092B-C50C-407E-A947-70E740481C1C}">
-                <a14:useLocalDpi xmlns:a14="http://schemas.microsoft.com/office/drawing/2010/main" val="0"/>
-              </a:ext>
-            </a:extLst>
-          </a:blip>
-          <a:stretch>
-            <a:fillRect/>
-          </a:stretch>
-        </p:blipFill>
-        <p:spPr>
-          <a:xfrm>
-            <a:off x="6934200" y="1998132"/>
-            <a:ext cx="4333632" cy="3521077"/>
-          </a:xfrm>
-          <a:prstGeom prst="rect">
-            <a:avLst/>
-          </a:prstGeom>
-        </p:spPr>
-      </p:pic>
+          <a:p>
+            <a:endParaRPr lang="en-US" dirty="0"/>
+          </a:p>
+        </p:txBody>
+      </p:sp>
       <p:pic>
         <p:nvPicPr>
           <p:cNvPr id="5" name="Inhaltsplatzhalter 4">
             <a:extLst>
               <a:ext uri="{FF2B5EF4-FFF2-40B4-BE49-F238E27FC236}">
-                <a16:creationId xmlns:a16="http://schemas.microsoft.com/office/drawing/2014/main" id="{A68FE342-89A5-46B8-AE2F-45FEEDF1D607}"/>
+                <a16:creationId xmlns:a16="http://schemas.microsoft.com/office/drawing/2014/main" id="{C827AAD3-70D1-40F9-8B98-397B0D1FA36F}"/>
               </a:ext>
             </a:extLst>
           </p:cNvPr>
@@ -7968,14 +7892,14 @@
           <p:nvPr/>
         </p:nvPicPr>
         <p:blipFill>
-          <a:blip r:embed="rId4"/>
+          <a:blip r:embed="rId2"/>
           <a:stretch>
             <a:fillRect/>
           </a:stretch>
         </p:blipFill>
         <p:spPr>
           <a:xfrm>
-            <a:off x="7374733" y="2132822"/>
+            <a:off x="7010665" y="2132821"/>
             <a:ext cx="3449118" cy="3258006"/>
           </a:xfrm>
           <a:prstGeom prst="rect">
@@ -7986,7 +7910,7 @@
     </p:spTree>
     <p:extLst>
       <p:ext uri="{BB962C8B-B14F-4D97-AF65-F5344CB8AC3E}">
-        <p14:creationId xmlns:p14="http://schemas.microsoft.com/office/powerpoint/2010/main" val="1490454533"/>
+        <p14:creationId xmlns:p14="http://schemas.microsoft.com/office/powerpoint/2010/main" val="1057563668"/>
       </p:ext>
     </p:extLst>
   </p:cSld>
@@ -7999,25 +7923,6 @@
 <file path=ppt/slides/slide7.xml><?xml version="1.0" encoding="utf-8"?>
 <p:sld xmlns:a="http://schemas.openxmlformats.org/drawingml/2006/main" xmlns:r="http://schemas.openxmlformats.org/officeDocument/2006/relationships" xmlns:p="http://schemas.openxmlformats.org/presentationml/2006/main">
   <p:cSld>
-    <p:bg>
-      <p:bgPr>
-        <a:blipFill rotWithShape="1">
-          <a:blip r:embed="rId2">
-            <a:duotone>
-              <a:schemeClr val="bg2">
-                <a:shade val="80000"/>
-                <a:lumMod val="80000"/>
-              </a:schemeClr>
-              <a:schemeClr val="bg2">
-                <a:tint val="98000"/>
-              </a:schemeClr>
-            </a:duotone>
-          </a:blip>
-          <a:stretch/>
-        </a:blipFill>
-        <a:effectLst/>
-      </p:bgPr>
-    </p:bg>
     <p:spTree>
       <p:nvGrpSpPr>
         <p:cNvPr id="1" name=""/>
@@ -8037,7 +7942,7 @@
           <p:cNvPr id="2" name="Titel 1">
             <a:extLst>
               <a:ext uri="{FF2B5EF4-FFF2-40B4-BE49-F238E27FC236}">
-                <a16:creationId xmlns:a16="http://schemas.microsoft.com/office/drawing/2014/main" id="{6A65E279-8117-4AFE-8D89-F741F649EC80}"/>
+                <a16:creationId xmlns:a16="http://schemas.microsoft.com/office/drawing/2014/main" id="{2E7F4A95-EC1C-4A19-8CB6-CC071BD5C5F5}"/>
               </a:ext>
             </a:extLst>
           </p:cNvPr>
@@ -8048,16 +7953,9 @@
             <p:ph type="title"/>
           </p:nvPr>
         </p:nvSpPr>
-        <p:spPr>
-          <a:xfrm>
-            <a:off x="913795" y="609600"/>
-            <a:ext cx="10353762" cy="970450"/>
-          </a:xfrm>
-        </p:spPr>
-        <p:txBody>
-          <a:bodyPr>
-            <a:normAutofit/>
-          </a:bodyPr>
+        <p:spPr/>
+        <p:txBody>
+          <a:bodyPr/>
           <a:lstStyle/>
           <a:p>
             <a:r>
@@ -8069,10 +7967,10 @@
       </p:sp>
       <p:sp>
         <p:nvSpPr>
-          <p:cNvPr id="10" name="Inhaltsplatzhalter 9">
+          <p:cNvPr id="3" name="Inhaltsplatzhalter 2">
             <a:extLst>
               <a:ext uri="{FF2B5EF4-FFF2-40B4-BE49-F238E27FC236}">
-                <a16:creationId xmlns:a16="http://schemas.microsoft.com/office/drawing/2014/main" id="{9B279BD8-7B3C-41E8-895A-7955B133F8EF}"/>
+                <a16:creationId xmlns:a16="http://schemas.microsoft.com/office/drawing/2014/main" id="{680B36D5-3C18-4490-A5F8-A01298E9C240}"/>
               </a:ext>
             </a:extLst>
           </p:cNvPr>
@@ -8080,19 +7978,12 @@
             <a:spLocks noGrp="1"/>
           </p:cNvSpPr>
           <p:nvPr>
-            <p:ph idx="1"/>
-          </p:nvPr>
-        </p:nvSpPr>
-        <p:spPr>
-          <a:xfrm>
-            <a:off x="913795" y="1732449"/>
-            <a:ext cx="5546272" cy="4058751"/>
-          </a:xfrm>
-        </p:spPr>
-        <p:txBody>
-          <a:bodyPr anchor="ctr">
-            <a:normAutofit/>
-          </a:bodyPr>
+            <p:ph sz="half" idx="1"/>
+          </p:nvPr>
+        </p:nvSpPr>
+        <p:spPr/>
+        <p:txBody>
+          <a:bodyPr anchor="ctr"/>
           <a:lstStyle/>
           <a:p>
             <a:r>
@@ -8127,55 +8018,10 @@
       </p:sp>
       <p:pic>
         <p:nvPicPr>
-          <p:cNvPr id="15" name="Picture 14">
+          <p:cNvPr id="5" name="Inhaltsplatzhalter 4">
             <a:extLst>
               <a:ext uri="{FF2B5EF4-FFF2-40B4-BE49-F238E27FC236}">
-                <a16:creationId xmlns:a16="http://schemas.microsoft.com/office/drawing/2014/main" id="{8B625CBE-14FE-4B8D-A29E-A9CB99F2C47D}"/>
-              </a:ext>
-              <a:ext uri="{C183D7F6-B498-43B3-948B-1728B52AA6E4}">
-                <adec:decorative xmlns:adec="http://schemas.microsoft.com/office/drawing/2017/decorative" val="1"/>
-              </a:ext>
-            </a:extLst>
-          </p:cNvPr>
-          <p:cNvPicPr>
-            <a:picLocks noGrp="1" noRot="1" noChangeAspect="1" noMove="1" noResize="1" noEditPoints="1" noAdjustHandles="1" noChangeArrowheads="1" noChangeShapeType="1" noCrop="1"/>
-          </p:cNvPicPr>
-          <p:nvPr>
-            <p:extLst>
-              <p:ext uri="{386F3935-93C4-4BCD-93E2-E3B085C9AB24}">
-                <p16:designElem xmlns:p16="http://schemas.microsoft.com/office/powerpoint/2015/main" val="1"/>
-              </p:ext>
-            </p:extLst>
-          </p:nvPr>
-        </p:nvPicPr>
-        <p:blipFill>
-          <a:blip r:embed="rId3">
-            <a:extLst>
-              <a:ext uri="{28A0092B-C50C-407E-A947-70E740481C1C}">
-                <a14:useLocalDpi xmlns:a14="http://schemas.microsoft.com/office/drawing/2010/main" val="0"/>
-              </a:ext>
-            </a:extLst>
-          </a:blip>
-          <a:stretch>
-            <a:fillRect/>
-          </a:stretch>
-        </p:blipFill>
-        <p:spPr>
-          <a:xfrm>
-            <a:off x="6934200" y="1998132"/>
-            <a:ext cx="4333632" cy="3521077"/>
-          </a:xfrm>
-          <a:prstGeom prst="rect">
-            <a:avLst/>
-          </a:prstGeom>
-        </p:spPr>
-      </p:pic>
-      <p:pic>
-        <p:nvPicPr>
-          <p:cNvPr id="7" name="Grafik 6" descr="Ein Bild, das drinnen, aus Holz, Container, Kasten enthält.&#10;&#10;Automatisch generierte Beschreibung">
-            <a:extLst>
-              <a:ext uri="{FF2B5EF4-FFF2-40B4-BE49-F238E27FC236}">
-                <a16:creationId xmlns:a16="http://schemas.microsoft.com/office/drawing/2014/main" id="{7CDE2DDE-BFAA-423D-94E3-856188816BE1}"/>
+                <a16:creationId xmlns:a16="http://schemas.microsoft.com/office/drawing/2014/main" id="{C827AAD3-70D1-40F9-8B98-397B0D1FA36F}"/>
               </a:ext>
             </a:extLst>
           </p:cNvPr>
@@ -8185,15 +8031,20 @@
           <p:nvPr/>
         </p:nvPicPr>
         <p:blipFill>
-          <a:blip r:embed="rId4"/>
-          <a:stretch>
-            <a:fillRect/>
-          </a:stretch>
+          <a:blip r:embed="rId2">
+            <a:extLst>
+              <a:ext uri="{28A0092B-C50C-407E-A947-70E740481C1C}">
+                <a14:useLocalDpi xmlns:a14="http://schemas.microsoft.com/office/drawing/2010/main" val="0"/>
+              </a:ext>
+            </a:extLst>
+          </a:blip>
+          <a:srcRect/>
+          <a:stretch/>
         </p:blipFill>
         <p:spPr>
           <a:xfrm>
-            <a:off x="7066560" y="2495198"/>
-            <a:ext cx="4065464" cy="2533254"/>
+            <a:off x="7010665" y="2686237"/>
+            <a:ext cx="3449118" cy="2151174"/>
           </a:xfrm>
           <a:prstGeom prst="rect">
             <a:avLst/>
@@ -8203,7 +8054,7 @@
     </p:spTree>
     <p:extLst>
       <p:ext uri="{BB962C8B-B14F-4D97-AF65-F5344CB8AC3E}">
-        <p14:creationId xmlns:p14="http://schemas.microsoft.com/office/powerpoint/2010/main" val="3018767149"/>
+        <p14:creationId xmlns:p14="http://schemas.microsoft.com/office/powerpoint/2010/main" val="1214962089"/>
       </p:ext>
     </p:extLst>
   </p:cSld>

--- a/docs/milestone_1.pptx
+++ b/docs/milestone_1.pptx
@@ -6502,31 +6502,6 @@
       </p:sp>
       <p:sp>
         <p:nvSpPr>
-          <p:cNvPr id="3" name="Inhaltsplatzhalter 2">
-            <a:extLst>
-              <a:ext uri="{FF2B5EF4-FFF2-40B4-BE49-F238E27FC236}">
-                <a16:creationId xmlns:a16="http://schemas.microsoft.com/office/drawing/2014/main" id="{05645522-9D80-453B-95F6-369116CAC305}"/>
-              </a:ext>
-            </a:extLst>
-          </p:cNvPr>
-          <p:cNvSpPr>
-            <a:spLocks noGrp="1"/>
-          </p:cNvSpPr>
-          <p:nvPr>
-            <p:ph idx="1"/>
-          </p:nvPr>
-        </p:nvSpPr>
-        <p:spPr/>
-        <p:txBody>
-          <a:bodyPr/>
-          <a:lstStyle/>
-          <a:p>
-            <a:endParaRPr lang="en-US" dirty="0"/>
-          </a:p>
-        </p:txBody>
-      </p:sp>
-      <p:sp>
-        <p:nvSpPr>
           <p:cNvPr id="4" name="Rechteck 3">
             <a:extLst>
               <a:ext uri="{FF2B5EF4-FFF2-40B4-BE49-F238E27FC236}">
@@ -6603,7 +6578,7 @@
         </p:nvSpPr>
         <p:spPr>
           <a:xfrm>
-            <a:off x="6569897" y="3448806"/>
+            <a:off x="6569897" y="3440098"/>
             <a:ext cx="1798320" cy="1066800"/>
           </a:xfrm>
           <a:prstGeom prst="rect">
@@ -7192,8 +7167,8 @@
         </p:nvSpPr>
         <p:spPr>
           <a:xfrm>
-            <a:off x="1393016" y="3016358"/>
-            <a:ext cx="1798320" cy="1930581"/>
+            <a:off x="1386898" y="2942740"/>
+            <a:ext cx="1798320" cy="2073600"/>
           </a:xfrm>
           <a:prstGeom prst="rect">
             <a:avLst/>
@@ -7246,6 +7221,30 @@
               <a:rPr lang="en-US" sz="1400" dirty="0"/>
               <a:t>graph-like</a:t>
             </a:r>
+          </a:p>
+          <a:p>
+            <a:pPr algn="ctr"/>
+            <a:endParaRPr lang="en-US" sz="1400" dirty="0"/>
+          </a:p>
+          <a:p>
+            <a:pPr algn="ctr"/>
+            <a:r>
+              <a:rPr lang="en-US" sz="1400" dirty="0"/>
+              <a:t>decides which </a:t>
+            </a:r>
+            <a:r>
+              <a:rPr lang="en-US" sz="1400" dirty="0" err="1"/>
+              <a:t>MazeNode</a:t>
+            </a:r>
+            <a:r>
+              <a:rPr lang="en-US" sz="1400" dirty="0"/>
+              <a:t> is </a:t>
+            </a:r>
+            <a:r>
+              <a:rPr lang="en-US" sz="1400" i="1" dirty="0"/>
+              <a:t>active</a:t>
+            </a:r>
+            <a:endParaRPr lang="en-US" sz="1400" dirty="0"/>
           </a:p>
         </p:txBody>
       </p:sp>
@@ -7337,55 +7336,6 @@
       </p:sp>
       <p:cxnSp>
         <p:nvCxnSpPr>
-          <p:cNvPr id="15" name="Verbinder: gewinkelt 14">
-            <a:extLst>
-              <a:ext uri="{FF2B5EF4-FFF2-40B4-BE49-F238E27FC236}">
-                <a16:creationId xmlns:a16="http://schemas.microsoft.com/office/drawing/2014/main" id="{AC0E1224-BFC0-4B90-8CC9-7A03F6C9D46E}"/>
-              </a:ext>
-            </a:extLst>
-          </p:cNvPr>
-          <p:cNvCxnSpPr>
-            <a:cxnSpLocks/>
-            <a:stCxn id="6" idx="3"/>
-            <a:endCxn id="5" idx="1"/>
-          </p:cNvCxnSpPr>
-          <p:nvPr/>
-        </p:nvCxnSpPr>
-        <p:spPr>
-          <a:xfrm>
-            <a:off x="6013269" y="3977957"/>
-            <a:ext cx="556628" cy="4249"/>
-          </a:xfrm>
-          <a:prstGeom prst="bentConnector3">
-            <a:avLst/>
-          </a:prstGeom>
-          <a:ln w="19050" cap="flat" cmpd="sng" algn="ctr">
-            <a:solidFill>
-              <a:schemeClr val="accent6"/>
-            </a:solidFill>
-            <a:prstDash val="dash"/>
-            <a:round/>
-            <a:headEnd type="none" w="med" len="med"/>
-            <a:tailEnd type="triangle" w="med" len="med"/>
-          </a:ln>
-        </p:spPr>
-        <p:style>
-          <a:lnRef idx="0">
-            <a:scrgbClr r="0" g="0" b="0"/>
-          </a:lnRef>
-          <a:fillRef idx="0">
-            <a:scrgbClr r="0" g="0" b="0"/>
-          </a:fillRef>
-          <a:effectRef idx="0">
-            <a:scrgbClr r="0" g="0" b="0"/>
-          </a:effectRef>
-          <a:fontRef idx="minor">
-            <a:schemeClr val="tx1"/>
-          </a:fontRef>
-        </p:style>
-      </p:cxnSp>
-      <p:cxnSp>
-        <p:nvCxnSpPr>
           <p:cNvPr id="21" name="Verbinder: gewinkelt 20">
             <a:extLst>
               <a:ext uri="{FF2B5EF4-FFF2-40B4-BE49-F238E27FC236}">
@@ -7410,7 +7360,9 @@
           </a:prstGeom>
           <a:ln w="19050" cap="flat" cmpd="sng" algn="ctr">
             <a:solidFill>
-              <a:schemeClr val="accent6"/>
+              <a:schemeClr val="accent1">
+                <a:lumMod val="50000"/>
+              </a:schemeClr>
             </a:solidFill>
             <a:prstDash val="dash"/>
             <a:round/>
@@ -7453,6 +7405,310 @@
           <a:xfrm>
             <a:off x="6013269" y="3977957"/>
             <a:ext cx="556628" cy="1503497"/>
+          </a:xfrm>
+          <a:prstGeom prst="bentConnector3">
+            <a:avLst/>
+          </a:prstGeom>
+          <a:ln w="19050" cap="flat" cmpd="sng" algn="ctr">
+            <a:solidFill>
+              <a:schemeClr val="accent1">
+                <a:lumMod val="50000"/>
+              </a:schemeClr>
+            </a:solidFill>
+            <a:prstDash val="dash"/>
+            <a:round/>
+            <a:headEnd type="none" w="med" len="med"/>
+            <a:tailEnd type="triangle" w="med" len="med"/>
+          </a:ln>
+        </p:spPr>
+        <p:style>
+          <a:lnRef idx="0">
+            <a:scrgbClr r="0" g="0" b="0"/>
+          </a:lnRef>
+          <a:fillRef idx="0">
+            <a:scrgbClr r="0" g="0" b="0"/>
+          </a:fillRef>
+          <a:effectRef idx="0">
+            <a:scrgbClr r="0" g="0" b="0"/>
+          </a:effectRef>
+          <a:fontRef idx="minor">
+            <a:schemeClr val="tx1"/>
+          </a:fontRef>
+        </p:style>
+      </p:cxnSp>
+      <p:cxnSp>
+        <p:nvCxnSpPr>
+          <p:cNvPr id="30" name="Verbinder: gewinkelt 29">
+            <a:extLst>
+              <a:ext uri="{FF2B5EF4-FFF2-40B4-BE49-F238E27FC236}">
+                <a16:creationId xmlns:a16="http://schemas.microsoft.com/office/drawing/2014/main" id="{021F6E76-CCF7-4D74-A0AE-92F3FC382B3C}"/>
+              </a:ext>
+            </a:extLst>
+          </p:cNvPr>
+          <p:cNvCxnSpPr>
+            <a:cxnSpLocks/>
+          </p:cNvCxnSpPr>
+          <p:nvPr/>
+        </p:nvCxnSpPr>
+        <p:spPr>
+          <a:xfrm flipV="1">
+            <a:off x="8368217" y="2478709"/>
+            <a:ext cx="556628" cy="1503497"/>
+          </a:xfrm>
+          <a:prstGeom prst="bentConnector3">
+            <a:avLst/>
+          </a:prstGeom>
+          <a:ln w="19050" cap="flat" cmpd="sng" algn="ctr">
+            <a:solidFill>
+              <a:schemeClr val="accent1">
+                <a:lumMod val="50000"/>
+              </a:schemeClr>
+            </a:solidFill>
+            <a:prstDash val="dash"/>
+            <a:round/>
+            <a:headEnd type="none" w="med" len="med"/>
+            <a:tailEnd type="triangle" w="med" len="med"/>
+          </a:ln>
+        </p:spPr>
+        <p:style>
+          <a:lnRef idx="0">
+            <a:scrgbClr r="0" g="0" b="0"/>
+          </a:lnRef>
+          <a:fillRef idx="0">
+            <a:scrgbClr r="0" g="0" b="0"/>
+          </a:fillRef>
+          <a:effectRef idx="0">
+            <a:scrgbClr r="0" g="0" b="0"/>
+          </a:effectRef>
+          <a:fontRef idx="minor">
+            <a:schemeClr val="tx1"/>
+          </a:fontRef>
+        </p:style>
+      </p:cxnSp>
+      <p:cxnSp>
+        <p:nvCxnSpPr>
+          <p:cNvPr id="31" name="Verbinder: gewinkelt 30">
+            <a:extLst>
+              <a:ext uri="{FF2B5EF4-FFF2-40B4-BE49-F238E27FC236}">
+                <a16:creationId xmlns:a16="http://schemas.microsoft.com/office/drawing/2014/main" id="{DA216CF7-05B2-4FBD-A1B2-B59E73CE6E56}"/>
+              </a:ext>
+            </a:extLst>
+          </p:cNvPr>
+          <p:cNvCxnSpPr>
+            <a:cxnSpLocks/>
+          </p:cNvCxnSpPr>
+          <p:nvPr/>
+        </p:nvCxnSpPr>
+        <p:spPr>
+          <a:xfrm>
+            <a:off x="8368217" y="3982206"/>
+            <a:ext cx="556628" cy="1494999"/>
+          </a:xfrm>
+          <a:prstGeom prst="bentConnector3">
+            <a:avLst/>
+          </a:prstGeom>
+          <a:ln w="19050" cap="flat" cmpd="sng" algn="ctr">
+            <a:solidFill>
+              <a:schemeClr val="accent1">
+                <a:lumMod val="50000"/>
+              </a:schemeClr>
+            </a:solidFill>
+            <a:prstDash val="dash"/>
+            <a:round/>
+            <a:headEnd type="none" w="med" len="med"/>
+            <a:tailEnd type="triangle" w="med" len="med"/>
+          </a:ln>
+        </p:spPr>
+        <p:style>
+          <a:lnRef idx="0">
+            <a:scrgbClr r="0" g="0" b="0"/>
+          </a:lnRef>
+          <a:fillRef idx="0">
+            <a:scrgbClr r="0" g="0" b="0"/>
+          </a:fillRef>
+          <a:effectRef idx="0">
+            <a:scrgbClr r="0" g="0" b="0"/>
+          </a:effectRef>
+          <a:fontRef idx="minor">
+            <a:schemeClr val="tx1"/>
+          </a:fontRef>
+        </p:style>
+      </p:cxnSp>
+      <p:cxnSp>
+        <p:nvCxnSpPr>
+          <p:cNvPr id="33" name="Verbinder: gewinkelt 32">
+            <a:extLst>
+              <a:ext uri="{FF2B5EF4-FFF2-40B4-BE49-F238E27FC236}">
+                <a16:creationId xmlns:a16="http://schemas.microsoft.com/office/drawing/2014/main" id="{57D06A37-FF71-41EE-BCE3-110AA730CCAD}"/>
+              </a:ext>
+            </a:extLst>
+          </p:cNvPr>
+          <p:cNvCxnSpPr>
+            <a:cxnSpLocks/>
+            <a:stCxn id="12" idx="3"/>
+            <a:endCxn id="7" idx="1"/>
+          </p:cNvCxnSpPr>
+          <p:nvPr/>
+        </p:nvCxnSpPr>
+        <p:spPr>
+          <a:xfrm flipV="1">
+            <a:off x="3185218" y="2492273"/>
+            <a:ext cx="1029731" cy="1487267"/>
+          </a:xfrm>
+          <a:prstGeom prst="bentConnector3">
+            <a:avLst>
+              <a:gd name="adj1" fmla="val 50000"/>
+            </a:avLst>
+          </a:prstGeom>
+          <a:ln w="19050" cap="flat" cmpd="sng" algn="ctr">
+            <a:solidFill>
+              <a:schemeClr val="accent1">
+                <a:lumMod val="50000"/>
+              </a:schemeClr>
+            </a:solidFill>
+            <a:prstDash val="dash"/>
+            <a:round/>
+            <a:headEnd type="none" w="med" len="med"/>
+            <a:tailEnd type="triangle" w="med" len="med"/>
+          </a:ln>
+        </p:spPr>
+        <p:style>
+          <a:lnRef idx="0">
+            <a:scrgbClr r="0" g="0" b="0"/>
+          </a:lnRef>
+          <a:fillRef idx="0">
+            <a:scrgbClr r="0" g="0" b="0"/>
+          </a:fillRef>
+          <a:effectRef idx="0">
+            <a:scrgbClr r="0" g="0" b="0"/>
+          </a:effectRef>
+          <a:fontRef idx="minor">
+            <a:schemeClr val="tx1"/>
+          </a:fontRef>
+        </p:style>
+      </p:cxnSp>
+      <p:cxnSp>
+        <p:nvCxnSpPr>
+          <p:cNvPr id="34" name="Verbinder: gewinkelt 33">
+            <a:extLst>
+              <a:ext uri="{FF2B5EF4-FFF2-40B4-BE49-F238E27FC236}">
+                <a16:creationId xmlns:a16="http://schemas.microsoft.com/office/drawing/2014/main" id="{5D76CA15-426F-46B3-A980-C05ECC713F53}"/>
+              </a:ext>
+            </a:extLst>
+          </p:cNvPr>
+          <p:cNvCxnSpPr>
+            <a:cxnSpLocks/>
+            <a:stCxn id="12" idx="3"/>
+            <a:endCxn id="8" idx="1"/>
+          </p:cNvCxnSpPr>
+          <p:nvPr/>
+        </p:nvCxnSpPr>
+        <p:spPr>
+          <a:xfrm>
+            <a:off x="3185218" y="3979540"/>
+            <a:ext cx="1029731" cy="1500799"/>
+          </a:xfrm>
+          <a:prstGeom prst="bentConnector3">
+            <a:avLst>
+              <a:gd name="adj1" fmla="val 50000"/>
+            </a:avLst>
+          </a:prstGeom>
+          <a:ln w="19050" cap="flat" cmpd="sng" algn="ctr">
+            <a:solidFill>
+              <a:schemeClr val="accent1">
+                <a:lumMod val="50000"/>
+              </a:schemeClr>
+            </a:solidFill>
+            <a:prstDash val="dash"/>
+            <a:round/>
+            <a:headEnd type="none" w="med" len="med"/>
+            <a:tailEnd type="triangle" w="med" len="med"/>
+          </a:ln>
+        </p:spPr>
+        <p:style>
+          <a:lnRef idx="0">
+            <a:scrgbClr r="0" g="0" b="0"/>
+          </a:lnRef>
+          <a:fillRef idx="0">
+            <a:scrgbClr r="0" g="0" b="0"/>
+          </a:fillRef>
+          <a:effectRef idx="0">
+            <a:scrgbClr r="0" g="0" b="0"/>
+          </a:effectRef>
+          <a:fontRef idx="minor">
+            <a:schemeClr val="tx1"/>
+          </a:fontRef>
+        </p:style>
+      </p:cxnSp>
+      <p:cxnSp>
+        <p:nvCxnSpPr>
+          <p:cNvPr id="32" name="Verbinder: gewinkelt 31">
+            <a:extLst>
+              <a:ext uri="{FF2B5EF4-FFF2-40B4-BE49-F238E27FC236}">
+                <a16:creationId xmlns:a16="http://schemas.microsoft.com/office/drawing/2014/main" id="{A2126A1A-49AE-47B7-9EAF-496C74C97570}"/>
+              </a:ext>
+            </a:extLst>
+          </p:cNvPr>
+          <p:cNvCxnSpPr>
+            <a:cxnSpLocks/>
+            <a:stCxn id="12" idx="3"/>
+            <a:endCxn id="6" idx="1"/>
+          </p:cNvCxnSpPr>
+          <p:nvPr/>
+        </p:nvCxnSpPr>
+        <p:spPr>
+          <a:xfrm flipV="1">
+            <a:off x="3185218" y="3977957"/>
+            <a:ext cx="1029731" cy="1583"/>
+          </a:xfrm>
+          <a:prstGeom prst="bentConnector3">
+            <a:avLst/>
+          </a:prstGeom>
+          <a:ln w="19050" cap="flat" cmpd="sng" algn="ctr">
+            <a:solidFill>
+              <a:schemeClr val="accent6"/>
+            </a:solidFill>
+            <a:prstDash val="dash"/>
+            <a:round/>
+            <a:headEnd type="none" w="med" len="med"/>
+            <a:tailEnd type="triangle" w="med" len="med"/>
+          </a:ln>
+        </p:spPr>
+        <p:style>
+          <a:lnRef idx="0">
+            <a:scrgbClr r="0" g="0" b="0"/>
+          </a:lnRef>
+          <a:fillRef idx="0">
+            <a:scrgbClr r="0" g="0" b="0"/>
+          </a:fillRef>
+          <a:effectRef idx="0">
+            <a:scrgbClr r="0" g="0" b="0"/>
+          </a:effectRef>
+          <a:fontRef idx="minor">
+            <a:schemeClr val="tx1"/>
+          </a:fontRef>
+        </p:style>
+      </p:cxnSp>
+      <p:cxnSp>
+        <p:nvCxnSpPr>
+          <p:cNvPr id="15" name="Verbinder: gewinkelt 14">
+            <a:extLst>
+              <a:ext uri="{FF2B5EF4-FFF2-40B4-BE49-F238E27FC236}">
+                <a16:creationId xmlns:a16="http://schemas.microsoft.com/office/drawing/2014/main" id="{AC0E1224-BFC0-4B90-8CC9-7A03F6C9D46E}"/>
+              </a:ext>
+            </a:extLst>
+          </p:cNvPr>
+          <p:cNvCxnSpPr>
+            <a:cxnSpLocks/>
+            <a:stCxn id="6" idx="3"/>
+            <a:endCxn id="5" idx="1"/>
+          </p:cNvCxnSpPr>
+          <p:nvPr/>
+        </p:nvCxnSpPr>
+        <p:spPr>
+          <a:xfrm flipV="1">
+            <a:off x="6013269" y="3973498"/>
+            <a:ext cx="556628" cy="4459"/>
           </a:xfrm>
           <a:prstGeom prst="bentConnector3">
             <a:avLst/>
@@ -7503,251 +7759,6 @@
           </a:xfrm>
           <a:prstGeom prst="bentConnector3">
             <a:avLst/>
-          </a:prstGeom>
-          <a:ln w="19050" cap="flat" cmpd="sng" algn="ctr">
-            <a:solidFill>
-              <a:schemeClr val="accent6"/>
-            </a:solidFill>
-            <a:prstDash val="dash"/>
-            <a:round/>
-            <a:headEnd type="none" w="med" len="med"/>
-            <a:tailEnd type="triangle" w="med" len="med"/>
-          </a:ln>
-        </p:spPr>
-        <p:style>
-          <a:lnRef idx="0">
-            <a:scrgbClr r="0" g="0" b="0"/>
-          </a:lnRef>
-          <a:fillRef idx="0">
-            <a:scrgbClr r="0" g="0" b="0"/>
-          </a:fillRef>
-          <a:effectRef idx="0">
-            <a:scrgbClr r="0" g="0" b="0"/>
-          </a:effectRef>
-          <a:fontRef idx="minor">
-            <a:schemeClr val="tx1"/>
-          </a:fontRef>
-        </p:style>
-      </p:cxnSp>
-      <p:cxnSp>
-        <p:nvCxnSpPr>
-          <p:cNvPr id="30" name="Verbinder: gewinkelt 29">
-            <a:extLst>
-              <a:ext uri="{FF2B5EF4-FFF2-40B4-BE49-F238E27FC236}">
-                <a16:creationId xmlns:a16="http://schemas.microsoft.com/office/drawing/2014/main" id="{021F6E76-CCF7-4D74-A0AE-92F3FC382B3C}"/>
-              </a:ext>
-            </a:extLst>
-          </p:cNvPr>
-          <p:cNvCxnSpPr>
-            <a:cxnSpLocks/>
-          </p:cNvCxnSpPr>
-          <p:nvPr/>
-        </p:nvCxnSpPr>
-        <p:spPr>
-          <a:xfrm flipV="1">
-            <a:off x="8368217" y="2478709"/>
-            <a:ext cx="556628" cy="1503497"/>
-          </a:xfrm>
-          <a:prstGeom prst="bentConnector3">
-            <a:avLst/>
-          </a:prstGeom>
-          <a:ln w="19050" cap="flat" cmpd="sng" algn="ctr">
-            <a:solidFill>
-              <a:schemeClr val="accent6"/>
-            </a:solidFill>
-            <a:prstDash val="dash"/>
-            <a:round/>
-            <a:headEnd type="none" w="med" len="med"/>
-            <a:tailEnd type="triangle" w="med" len="med"/>
-          </a:ln>
-        </p:spPr>
-        <p:style>
-          <a:lnRef idx="0">
-            <a:scrgbClr r="0" g="0" b="0"/>
-          </a:lnRef>
-          <a:fillRef idx="0">
-            <a:scrgbClr r="0" g="0" b="0"/>
-          </a:fillRef>
-          <a:effectRef idx="0">
-            <a:scrgbClr r="0" g="0" b="0"/>
-          </a:effectRef>
-          <a:fontRef idx="minor">
-            <a:schemeClr val="tx1"/>
-          </a:fontRef>
-        </p:style>
-      </p:cxnSp>
-      <p:cxnSp>
-        <p:nvCxnSpPr>
-          <p:cNvPr id="31" name="Verbinder: gewinkelt 30">
-            <a:extLst>
-              <a:ext uri="{FF2B5EF4-FFF2-40B4-BE49-F238E27FC236}">
-                <a16:creationId xmlns:a16="http://schemas.microsoft.com/office/drawing/2014/main" id="{DA216CF7-05B2-4FBD-A1B2-B59E73CE6E56}"/>
-              </a:ext>
-            </a:extLst>
-          </p:cNvPr>
-          <p:cNvCxnSpPr>
-            <a:cxnSpLocks/>
-          </p:cNvCxnSpPr>
-          <p:nvPr/>
-        </p:nvCxnSpPr>
-        <p:spPr>
-          <a:xfrm>
-            <a:off x="8368217" y="3982206"/>
-            <a:ext cx="556628" cy="1494999"/>
-          </a:xfrm>
-          <a:prstGeom prst="bentConnector3">
-            <a:avLst/>
-          </a:prstGeom>
-          <a:ln w="19050" cap="flat" cmpd="sng" algn="ctr">
-            <a:solidFill>
-              <a:schemeClr val="accent6"/>
-            </a:solidFill>
-            <a:prstDash val="dash"/>
-            <a:round/>
-            <a:headEnd type="none" w="med" len="med"/>
-            <a:tailEnd type="triangle" w="med" len="med"/>
-          </a:ln>
-        </p:spPr>
-        <p:style>
-          <a:lnRef idx="0">
-            <a:scrgbClr r="0" g="0" b="0"/>
-          </a:lnRef>
-          <a:fillRef idx="0">
-            <a:scrgbClr r="0" g="0" b="0"/>
-          </a:fillRef>
-          <a:effectRef idx="0">
-            <a:scrgbClr r="0" g="0" b="0"/>
-          </a:effectRef>
-          <a:fontRef idx="minor">
-            <a:schemeClr val="tx1"/>
-          </a:fontRef>
-        </p:style>
-      </p:cxnSp>
-      <p:cxnSp>
-        <p:nvCxnSpPr>
-          <p:cNvPr id="32" name="Verbinder: gewinkelt 31">
-            <a:extLst>
-              <a:ext uri="{FF2B5EF4-FFF2-40B4-BE49-F238E27FC236}">
-                <a16:creationId xmlns:a16="http://schemas.microsoft.com/office/drawing/2014/main" id="{A2126A1A-49AE-47B7-9EAF-496C74C97570}"/>
-              </a:ext>
-            </a:extLst>
-          </p:cNvPr>
-          <p:cNvCxnSpPr>
-            <a:cxnSpLocks/>
-            <a:stCxn id="12" idx="3"/>
-            <a:endCxn id="6" idx="1"/>
-          </p:cNvCxnSpPr>
-          <p:nvPr/>
-        </p:nvCxnSpPr>
-        <p:spPr>
-          <a:xfrm flipV="1">
-            <a:off x="3191336" y="3977957"/>
-            <a:ext cx="1023613" cy="3692"/>
-          </a:xfrm>
-          <a:prstGeom prst="bentConnector3">
-            <a:avLst/>
-          </a:prstGeom>
-          <a:ln w="19050" cap="flat" cmpd="sng" algn="ctr">
-            <a:solidFill>
-              <a:schemeClr val="accent6"/>
-            </a:solidFill>
-            <a:prstDash val="dash"/>
-            <a:round/>
-            <a:headEnd type="none" w="med" len="med"/>
-            <a:tailEnd type="triangle" w="med" len="med"/>
-          </a:ln>
-        </p:spPr>
-        <p:style>
-          <a:lnRef idx="0">
-            <a:scrgbClr r="0" g="0" b="0"/>
-          </a:lnRef>
-          <a:fillRef idx="0">
-            <a:scrgbClr r="0" g="0" b="0"/>
-          </a:fillRef>
-          <a:effectRef idx="0">
-            <a:scrgbClr r="0" g="0" b="0"/>
-          </a:effectRef>
-          <a:fontRef idx="minor">
-            <a:schemeClr val="tx1"/>
-          </a:fontRef>
-        </p:style>
-      </p:cxnSp>
-      <p:cxnSp>
-        <p:nvCxnSpPr>
-          <p:cNvPr id="33" name="Verbinder: gewinkelt 32">
-            <a:extLst>
-              <a:ext uri="{FF2B5EF4-FFF2-40B4-BE49-F238E27FC236}">
-                <a16:creationId xmlns:a16="http://schemas.microsoft.com/office/drawing/2014/main" id="{57D06A37-FF71-41EE-BCE3-110AA730CCAD}"/>
-              </a:ext>
-            </a:extLst>
-          </p:cNvPr>
-          <p:cNvCxnSpPr>
-            <a:cxnSpLocks/>
-            <a:stCxn id="12" idx="3"/>
-            <a:endCxn id="7" idx="1"/>
-          </p:cNvCxnSpPr>
-          <p:nvPr/>
-        </p:nvCxnSpPr>
-        <p:spPr>
-          <a:xfrm flipV="1">
-            <a:off x="3191336" y="2492273"/>
-            <a:ext cx="1023613" cy="1489376"/>
-          </a:xfrm>
-          <a:prstGeom prst="bentConnector3">
-            <a:avLst>
-              <a:gd name="adj1" fmla="val 50000"/>
-            </a:avLst>
-          </a:prstGeom>
-          <a:ln w="19050" cap="flat" cmpd="sng" algn="ctr">
-            <a:solidFill>
-              <a:schemeClr val="accent6"/>
-            </a:solidFill>
-            <a:prstDash val="dash"/>
-            <a:round/>
-            <a:headEnd type="none" w="med" len="med"/>
-            <a:tailEnd type="triangle" w="med" len="med"/>
-          </a:ln>
-        </p:spPr>
-        <p:style>
-          <a:lnRef idx="0">
-            <a:scrgbClr r="0" g="0" b="0"/>
-          </a:lnRef>
-          <a:fillRef idx="0">
-            <a:scrgbClr r="0" g="0" b="0"/>
-          </a:fillRef>
-          <a:effectRef idx="0">
-            <a:scrgbClr r="0" g="0" b="0"/>
-          </a:effectRef>
-          <a:fontRef idx="minor">
-            <a:schemeClr val="tx1"/>
-          </a:fontRef>
-        </p:style>
-      </p:cxnSp>
-      <p:cxnSp>
-        <p:nvCxnSpPr>
-          <p:cNvPr id="34" name="Verbinder: gewinkelt 33">
-            <a:extLst>
-              <a:ext uri="{FF2B5EF4-FFF2-40B4-BE49-F238E27FC236}">
-                <a16:creationId xmlns:a16="http://schemas.microsoft.com/office/drawing/2014/main" id="{5D76CA15-426F-46B3-A980-C05ECC713F53}"/>
-              </a:ext>
-            </a:extLst>
-          </p:cNvPr>
-          <p:cNvCxnSpPr>
-            <a:cxnSpLocks/>
-            <a:stCxn id="12" idx="3"/>
-            <a:endCxn id="8" idx="1"/>
-          </p:cNvCxnSpPr>
-          <p:nvPr/>
-        </p:nvCxnSpPr>
-        <p:spPr>
-          <a:xfrm>
-            <a:off x="3191336" y="3981649"/>
-            <a:ext cx="1023613" cy="1498690"/>
-          </a:xfrm>
-          <a:prstGeom prst="bentConnector3">
-            <a:avLst>
-              <a:gd name="adj1" fmla="val 50000"/>
-            </a:avLst>
           </a:prstGeom>
           <a:ln w="19050" cap="flat" cmpd="sng" algn="ctr">
             <a:solidFill>
